--- a/Presentation/SIGMOD15Talk.pptx
+++ b/Presentation/SIGMOD15Talk.pptx
@@ -5,7 +5,7 @@
     <p:sldMasterId id="2147483660" r:id="rId1"/>
   </p:sldMasterIdLst>
   <p:notesMasterIdLst>
-    <p:notesMasterId r:id="rId17"/>
+    <p:notesMasterId r:id="rId19"/>
   </p:notesMasterIdLst>
   <p:sldIdLst>
     <p:sldId id="256" r:id="rId2"/>
@@ -18,11 +18,13 @@
     <p:sldId id="271" r:id="rId9"/>
     <p:sldId id="273" r:id="rId10"/>
     <p:sldId id="272" r:id="rId11"/>
-    <p:sldId id="260" r:id="rId12"/>
-    <p:sldId id="264" r:id="rId13"/>
-    <p:sldId id="265" r:id="rId14"/>
-    <p:sldId id="266" r:id="rId15"/>
-    <p:sldId id="267" r:id="rId16"/>
+    <p:sldId id="275" r:id="rId12"/>
+    <p:sldId id="260" r:id="rId13"/>
+    <p:sldId id="264" r:id="rId14"/>
+    <p:sldId id="265" r:id="rId15"/>
+    <p:sldId id="274" r:id="rId16"/>
+    <p:sldId id="266" r:id="rId17"/>
+    <p:sldId id="267" r:id="rId18"/>
   </p:sldIdLst>
   <p:sldSz cx="9144000" cy="6858000" type="screen4x3"/>
   <p:notesSz cx="6858000" cy="9144000"/>
@@ -520,11 +522,268 @@
           <a:p>
             <a:r>
               <a:rPr lang="en-US" dirty="0" smtClean="0"/>
-              <a:t>Point here is the convex shape</a:t>
+              <a:t>If we knew P(U|A).we could</a:t>
             </a:r>
             <a:r>
               <a:rPr lang="en-US" baseline="0" dirty="0" smtClean="0"/>
-              <a:t> of the curve. Getting 100% precision incurs 100% cost, but getting 80% precision incurs way less than 80% of the cost.</a:t>
+              <a:t> only return values with A=a_1, without needing further UDF evaluations. </a:t>
+            </a:r>
+          </a:p>
+          <a:p>
+            <a:endParaRPr lang="en-US" baseline="0" dirty="0" smtClean="0"/>
+          </a:p>
+          <a:p>
+            <a:r>
+              <a:rPr lang="en-US" baseline="0" dirty="0" smtClean="0"/>
+              <a:t>Explain terminology</a:t>
+            </a:r>
+          </a:p>
+          <a:p>
+            <a:r>
+              <a:rPr lang="en-US" baseline="0" dirty="0" smtClean="0"/>
+              <a:t>For each attribute, say A, we divide tuples intro </a:t>
+            </a:r>
+            <a:r>
+              <a:rPr lang="en-US" i="1" baseline="0" dirty="0" smtClean="0"/>
+              <a:t>groups</a:t>
+            </a:r>
+            <a:r>
+              <a:rPr lang="en-US" baseline="0" dirty="0" smtClean="0"/>
+              <a:t>, based on that attribute’s value. Then for each group, we will decide whether to retrieve and/or evaluate its tuples.</a:t>
+            </a:r>
+          </a:p>
+          <a:p>
+            <a:r>
+              <a:rPr lang="en-US" baseline="0" dirty="0" smtClean="0"/>
+              <a:t>discard = assume its false</a:t>
+            </a:r>
+          </a:p>
+          <a:p>
+            <a:r>
+              <a:rPr lang="en-US" baseline="0" dirty="0" err="1" smtClean="0"/>
+              <a:t>retrieve+evaluate</a:t>
+            </a:r>
+            <a:r>
+              <a:rPr lang="en-US" baseline="0" dirty="0" smtClean="0"/>
+              <a:t> = actually evaluate the UDF</a:t>
+            </a:r>
+          </a:p>
+          <a:p>
+            <a:r>
+              <a:rPr lang="en-US" baseline="0" dirty="0" smtClean="0"/>
+              <a:t>retrieve = assume its true</a:t>
+            </a:r>
+          </a:p>
+          <a:p>
+            <a:endParaRPr lang="en-US" baseline="0" dirty="0" smtClean="0"/>
+          </a:p>
+          <a:p>
+            <a:endParaRPr lang="en-US" baseline="0" dirty="0" smtClean="0"/>
+          </a:p>
+          <a:p>
+            <a:endParaRPr lang="en-US" dirty="0"/>
+          </a:p>
+        </p:txBody>
+      </p:sp>
+      <p:sp>
+        <p:nvSpPr>
+          <p:cNvPr id="4" name="Slide Number Placeholder 3"/>
+          <p:cNvSpPr>
+            <a:spLocks noGrp="1"/>
+          </p:cNvSpPr>
+          <p:nvPr>
+            <p:ph type="sldNum" sz="quarter" idx="10"/>
+          </p:nvPr>
+        </p:nvSpPr>
+        <p:spPr/>
+        <p:txBody>
+          <a:bodyPr/>
+          <a:lstStyle/>
+          <a:p>
+            <a:fld id="{E2BE99B2-A429-474A-95A4-255327C0CDE2}" type="slidenum">
+              <a:rPr lang="en-US" smtClean="0"/>
+              <a:t>4</a:t>
+            </a:fld>
+            <a:endParaRPr lang="en-US"/>
+          </a:p>
+        </p:txBody>
+      </p:sp>
+    </p:spTree>
+    <p:extLst>
+      <p:ext uri="{BB962C8B-B14F-4D97-AF65-F5344CB8AC3E}">
+        <p14:creationId xmlns:p14="http://schemas.microsoft.com/office/powerpoint/2010/main" val="780965180"/>
+      </p:ext>
+    </p:extLst>
+  </p:cSld>
+  <p:clrMapOvr>
+    <a:masterClrMapping/>
+  </p:clrMapOvr>
+</p:notes>
+</file>
+
+<file path=ppt/notesSlides/notesSlide10.xml><?xml version="1.0" encoding="utf-8"?>
+<p:notes xmlns:a="http://schemas.openxmlformats.org/drawingml/2006/main" xmlns:r="http://schemas.openxmlformats.org/officeDocument/2006/relationships" xmlns:p="http://schemas.openxmlformats.org/presentationml/2006/main">
+  <p:cSld>
+    <p:spTree>
+      <p:nvGrpSpPr>
+        <p:cNvPr id="1" name=""/>
+        <p:cNvGrpSpPr/>
+        <p:nvPr/>
+      </p:nvGrpSpPr>
+      <p:grpSpPr>
+        <a:xfrm>
+          <a:off x="0" y="0"/>
+          <a:ext cx="0" cy="0"/>
+          <a:chOff x="0" y="0"/>
+          <a:chExt cx="0" cy="0"/>
+        </a:xfrm>
+      </p:grpSpPr>
+      <p:sp>
+        <p:nvSpPr>
+          <p:cNvPr id="2" name="Slide Image Placeholder 1"/>
+          <p:cNvSpPr>
+            <a:spLocks noGrp="1" noRot="1" noChangeAspect="1"/>
+          </p:cNvSpPr>
+          <p:nvPr>
+            <p:ph type="sldImg"/>
+          </p:nvPr>
+        </p:nvSpPr>
+        <p:spPr/>
+      </p:sp>
+      <p:sp>
+        <p:nvSpPr>
+          <p:cNvPr id="3" name="Notes Placeholder 2"/>
+          <p:cNvSpPr>
+            <a:spLocks noGrp="1"/>
+          </p:cNvSpPr>
+          <p:nvPr>
+            <p:ph type="body" idx="1"/>
+          </p:nvPr>
+        </p:nvSpPr>
+        <p:spPr/>
+        <p:txBody>
+          <a:bodyPr/>
+          <a:lstStyle/>
+          <a:p>
+            <a:r>
+              <a:rPr lang="en-US" dirty="0" smtClean="0"/>
+              <a:t>Comparing </a:t>
+            </a:r>
+            <a:r>
+              <a:rPr lang="en-US" dirty="0" err="1" smtClean="0"/>
+              <a:t>IntelSample</a:t>
+            </a:r>
+            <a:r>
+              <a:rPr lang="en-US" baseline="0" dirty="0" smtClean="0"/>
+              <a:t> with </a:t>
+            </a:r>
+            <a:r>
+              <a:rPr lang="en-US" baseline="0" dirty="0" err="1" smtClean="0"/>
+              <a:t>BiGreedy</a:t>
+            </a:r>
+            <a:r>
+              <a:rPr lang="en-US" baseline="0" dirty="0" smtClean="0"/>
+              <a:t> (Optimal) and Naïve. We are fairly close to the optimal, and way better than Naïve. The maximum saving we get is ~80% on the LC dataset.</a:t>
+            </a:r>
+            <a:endParaRPr lang="en-US" dirty="0"/>
+          </a:p>
+        </p:txBody>
+      </p:sp>
+      <p:sp>
+        <p:nvSpPr>
+          <p:cNvPr id="4" name="Slide Number Placeholder 3"/>
+          <p:cNvSpPr>
+            <a:spLocks noGrp="1"/>
+          </p:cNvSpPr>
+          <p:nvPr>
+            <p:ph type="sldNum" sz="quarter" idx="10"/>
+          </p:nvPr>
+        </p:nvSpPr>
+        <p:spPr/>
+        <p:txBody>
+          <a:bodyPr/>
+          <a:lstStyle/>
+          <a:p>
+            <a:fld id="{E2BE99B2-A429-474A-95A4-255327C0CDE2}" type="slidenum">
+              <a:rPr lang="en-US" smtClean="0"/>
+              <a:t>13</a:t>
+            </a:fld>
+            <a:endParaRPr lang="en-US"/>
+          </a:p>
+        </p:txBody>
+      </p:sp>
+    </p:spTree>
+    <p:extLst>
+      <p:ext uri="{BB962C8B-B14F-4D97-AF65-F5344CB8AC3E}">
+        <p14:creationId xmlns:p14="http://schemas.microsoft.com/office/powerpoint/2010/main" val="2359977685"/>
+      </p:ext>
+    </p:extLst>
+  </p:cSld>
+  <p:clrMapOvr>
+    <a:masterClrMapping/>
+  </p:clrMapOvr>
+</p:notes>
+</file>
+
+<file path=ppt/notesSlides/notesSlide11.xml><?xml version="1.0" encoding="utf-8"?>
+<p:notes xmlns:a="http://schemas.openxmlformats.org/drawingml/2006/main" xmlns:r="http://schemas.openxmlformats.org/officeDocument/2006/relationships" xmlns:p="http://schemas.openxmlformats.org/presentationml/2006/main">
+  <p:cSld>
+    <p:spTree>
+      <p:nvGrpSpPr>
+        <p:cNvPr id="1" name=""/>
+        <p:cNvGrpSpPr/>
+        <p:nvPr/>
+      </p:nvGrpSpPr>
+      <p:grpSpPr>
+        <a:xfrm>
+          <a:off x="0" y="0"/>
+          <a:ext cx="0" cy="0"/>
+          <a:chOff x="0" y="0"/>
+          <a:chExt cx="0" cy="0"/>
+        </a:xfrm>
+      </p:grpSpPr>
+      <p:sp>
+        <p:nvSpPr>
+          <p:cNvPr id="2" name="Slide Image Placeholder 1"/>
+          <p:cNvSpPr>
+            <a:spLocks noGrp="1" noRot="1" noChangeAspect="1"/>
+          </p:cNvSpPr>
+          <p:nvPr>
+            <p:ph type="sldImg"/>
+          </p:nvPr>
+        </p:nvSpPr>
+        <p:spPr/>
+      </p:sp>
+      <p:sp>
+        <p:nvSpPr>
+          <p:cNvPr id="3" name="Notes Placeholder 2"/>
+          <p:cNvSpPr>
+            <a:spLocks noGrp="1"/>
+          </p:cNvSpPr>
+          <p:nvPr>
+            <p:ph type="body" idx="1"/>
+          </p:nvPr>
+        </p:nvSpPr>
+        <p:spPr/>
+        <p:txBody>
+          <a:bodyPr/>
+          <a:lstStyle/>
+          <a:p>
+            <a:r>
+              <a:rPr lang="en-US" dirty="0" smtClean="0"/>
+              <a:t>Comparing Intel-Sample</a:t>
+            </a:r>
+            <a:r>
+              <a:rPr lang="en-US" baseline="0" dirty="0" smtClean="0"/>
+              <a:t> to semi-supervised learning </a:t>
+            </a:r>
+            <a:r>
+              <a:rPr lang="en-US" baseline="0" dirty="0" err="1" smtClean="0"/>
+              <a:t>algos</a:t>
+            </a:r>
+            <a:r>
+              <a:rPr lang="en-US" baseline="0" dirty="0" smtClean="0"/>
+              <a:t>. We are better than both of them. On LC, we do over 2x better than either of the baselines.</a:t>
             </a:r>
             <a:endParaRPr lang="en-US" dirty="0"/>
           </a:p>
@@ -556,7 +815,350 @@
     </p:spTree>
     <p:extLst>
       <p:ext uri="{BB962C8B-B14F-4D97-AF65-F5344CB8AC3E}">
+        <p14:creationId xmlns:p14="http://schemas.microsoft.com/office/powerpoint/2010/main" val="1749113152"/>
+      </p:ext>
+    </p:extLst>
+  </p:cSld>
+  <p:clrMapOvr>
+    <a:masterClrMapping/>
+  </p:clrMapOvr>
+</p:notes>
+</file>
+
+<file path=ppt/notesSlides/notesSlide12.xml><?xml version="1.0" encoding="utf-8"?>
+<p:notes xmlns:a="http://schemas.openxmlformats.org/drawingml/2006/main" xmlns:r="http://schemas.openxmlformats.org/officeDocument/2006/relationships" xmlns:p="http://schemas.openxmlformats.org/presentationml/2006/main">
+  <p:cSld>
+    <p:spTree>
+      <p:nvGrpSpPr>
+        <p:cNvPr id="1" name=""/>
+        <p:cNvGrpSpPr/>
+        <p:nvPr/>
+      </p:nvGrpSpPr>
+      <p:grpSpPr>
+        <a:xfrm>
+          <a:off x="0" y="0"/>
+          <a:ext cx="0" cy="0"/>
+          <a:chOff x="0" y="0"/>
+          <a:chExt cx="0" cy="0"/>
+        </a:xfrm>
+      </p:grpSpPr>
+      <p:sp>
+        <p:nvSpPr>
+          <p:cNvPr id="2" name="Slide Image Placeholder 1"/>
+          <p:cNvSpPr>
+            <a:spLocks noGrp="1" noRot="1" noChangeAspect="1"/>
+          </p:cNvSpPr>
+          <p:nvPr>
+            <p:ph type="sldImg"/>
+          </p:nvPr>
+        </p:nvSpPr>
+        <p:spPr/>
+      </p:sp>
+      <p:sp>
+        <p:nvSpPr>
+          <p:cNvPr id="3" name="Notes Placeholder 2"/>
+          <p:cNvSpPr>
+            <a:spLocks noGrp="1"/>
+          </p:cNvSpPr>
+          <p:nvPr>
+            <p:ph type="body" idx="1"/>
+          </p:nvPr>
+        </p:nvSpPr>
+        <p:spPr/>
+        <p:txBody>
+          <a:bodyPr/>
+          <a:lstStyle/>
+          <a:p>
+            <a:r>
+              <a:rPr lang="en-US" dirty="0" smtClean="0"/>
+              <a:t>This plot shows cost vs. the </a:t>
+            </a:r>
+            <a:r>
+              <a:rPr lang="en-US" dirty="0" err="1" smtClean="0"/>
+              <a:t>num</a:t>
+            </a:r>
+            <a:r>
+              <a:rPr lang="en-US" dirty="0" smtClean="0"/>
+              <a:t> parameter (used to decide how much to sample). It uses logistic regression to create a virtual</a:t>
+            </a:r>
+            <a:r>
+              <a:rPr lang="en-US" baseline="0" dirty="0" smtClean="0"/>
+              <a:t> column (like described in an earlier slide).</a:t>
+            </a:r>
+          </a:p>
+          <a:p>
+            <a:r>
+              <a:rPr lang="en-US" baseline="0" dirty="0" smtClean="0"/>
+              <a:t>So this shows two things :</a:t>
+            </a:r>
+          </a:p>
+          <a:p>
+            <a:pPr marL="228600" indent="-228600">
+              <a:buAutoNum type="arabicParenR"/>
+            </a:pPr>
+            <a:r>
+              <a:rPr lang="en-US" baseline="0" dirty="0" smtClean="0"/>
+              <a:t>The combined method gives significant savings</a:t>
+            </a:r>
+          </a:p>
+          <a:p>
+            <a:pPr marL="228600" indent="-228600">
+              <a:buAutoNum type="arabicParenR"/>
+            </a:pPr>
+            <a:r>
+              <a:rPr lang="en-US" dirty="0" smtClean="0"/>
+              <a:t>The</a:t>
+            </a:r>
+            <a:r>
+              <a:rPr lang="en-US" baseline="0" dirty="0" smtClean="0"/>
+              <a:t> optimal value of ‘</a:t>
+            </a:r>
+            <a:r>
+              <a:rPr lang="en-US" baseline="0" dirty="0" err="1" smtClean="0"/>
+              <a:t>num</a:t>
+            </a:r>
+            <a:r>
+              <a:rPr lang="en-US" baseline="0" dirty="0" smtClean="0"/>
+              <a:t>’ is similar for different datasets. In contrast, if we plotted total number of sampled tuples vs. cost, that graph would have minima at different points for different datasets. </a:t>
+            </a:r>
+            <a:endParaRPr lang="en-US" dirty="0"/>
+          </a:p>
+        </p:txBody>
+      </p:sp>
+      <p:sp>
+        <p:nvSpPr>
+          <p:cNvPr id="4" name="Slide Number Placeholder 3"/>
+          <p:cNvSpPr>
+            <a:spLocks noGrp="1"/>
+          </p:cNvSpPr>
+          <p:nvPr>
+            <p:ph type="sldNum" sz="quarter" idx="10"/>
+          </p:nvPr>
+        </p:nvSpPr>
+        <p:spPr/>
+        <p:txBody>
+          <a:bodyPr/>
+          <a:lstStyle/>
+          <a:p>
+            <a:fld id="{E2BE99B2-A429-474A-95A4-255327C0CDE2}" type="slidenum">
+              <a:rPr lang="en-US" smtClean="0"/>
+              <a:t>15</a:t>
+            </a:fld>
+            <a:endParaRPr lang="en-US"/>
+          </a:p>
+        </p:txBody>
+      </p:sp>
+    </p:spTree>
+    <p:extLst>
+      <p:ext uri="{BB962C8B-B14F-4D97-AF65-F5344CB8AC3E}">
+        <p14:creationId xmlns:p14="http://schemas.microsoft.com/office/powerpoint/2010/main" val="3279600948"/>
+      </p:ext>
+    </p:extLst>
+  </p:cSld>
+  <p:clrMapOvr>
+    <a:masterClrMapping/>
+  </p:clrMapOvr>
+</p:notes>
+</file>
+
+<file path=ppt/notesSlides/notesSlide13.xml><?xml version="1.0" encoding="utf-8"?>
+<p:notes xmlns:a="http://schemas.openxmlformats.org/drawingml/2006/main" xmlns:r="http://schemas.openxmlformats.org/officeDocument/2006/relationships" xmlns:p="http://schemas.openxmlformats.org/presentationml/2006/main">
+  <p:cSld>
+    <p:spTree>
+      <p:nvGrpSpPr>
+        <p:cNvPr id="1" name=""/>
+        <p:cNvGrpSpPr/>
+        <p:nvPr/>
+      </p:nvGrpSpPr>
+      <p:grpSpPr>
+        <a:xfrm>
+          <a:off x="0" y="0"/>
+          <a:ext cx="0" cy="0"/>
+          <a:chOff x="0" y="0"/>
+          <a:chExt cx="0" cy="0"/>
+        </a:xfrm>
+      </p:grpSpPr>
+      <p:sp>
+        <p:nvSpPr>
+          <p:cNvPr id="2" name="Slide Image Placeholder 1"/>
+          <p:cNvSpPr>
+            <a:spLocks noGrp="1" noRot="1" noChangeAspect="1"/>
+          </p:cNvSpPr>
+          <p:nvPr>
+            <p:ph type="sldImg"/>
+          </p:nvPr>
+        </p:nvSpPr>
+        <p:spPr/>
+      </p:sp>
+      <p:sp>
+        <p:nvSpPr>
+          <p:cNvPr id="3" name="Notes Placeholder 2"/>
+          <p:cNvSpPr>
+            <a:spLocks noGrp="1"/>
+          </p:cNvSpPr>
+          <p:nvPr>
+            <p:ph type="body" idx="1"/>
+          </p:nvPr>
+        </p:nvSpPr>
+        <p:spPr/>
+        <p:txBody>
+          <a:bodyPr/>
+          <a:lstStyle/>
+          <a:p>
+            <a:r>
+              <a:rPr lang="en-US" dirty="0" smtClean="0"/>
+              <a:t>Plotting cost vs. precision constraint \alpha.</a:t>
+            </a:r>
+            <a:r>
+              <a:rPr lang="en-US" baseline="0" dirty="0" smtClean="0"/>
+              <a:t> </a:t>
+            </a:r>
+            <a:endParaRPr lang="en-US" dirty="0" smtClean="0"/>
+          </a:p>
+          <a:p>
+            <a:r>
+              <a:rPr lang="en-US" dirty="0" smtClean="0"/>
+              <a:t>Key point here is the convex shape</a:t>
+            </a:r>
+            <a:r>
+              <a:rPr lang="en-US" baseline="0" dirty="0" smtClean="0"/>
+              <a:t> of the curve. Getting 100% precision incurs 100% cost, but getting 80% precision incurs way less than 80% of the cost. This is why we do significantly better than the Naïve </a:t>
+            </a:r>
+            <a:r>
+              <a:rPr lang="en-US" baseline="0" dirty="0" err="1" smtClean="0"/>
+              <a:t>algo</a:t>
+            </a:r>
+            <a:r>
+              <a:rPr lang="en-US" baseline="0" dirty="0" smtClean="0"/>
+              <a:t>. </a:t>
+            </a:r>
+            <a:endParaRPr lang="en-US" dirty="0"/>
+          </a:p>
+        </p:txBody>
+      </p:sp>
+      <p:sp>
+        <p:nvSpPr>
+          <p:cNvPr id="4" name="Slide Number Placeholder 3"/>
+          <p:cNvSpPr>
+            <a:spLocks noGrp="1"/>
+          </p:cNvSpPr>
+          <p:nvPr>
+            <p:ph type="sldNum" sz="quarter" idx="10"/>
+          </p:nvPr>
+        </p:nvSpPr>
+        <p:spPr/>
+        <p:txBody>
+          <a:bodyPr/>
+          <a:lstStyle/>
+          <a:p>
+            <a:fld id="{E2BE99B2-A429-474A-95A4-255327C0CDE2}" type="slidenum">
+              <a:rPr lang="en-US" smtClean="0"/>
+              <a:t>16</a:t>
+            </a:fld>
+            <a:endParaRPr lang="en-US"/>
+          </a:p>
+        </p:txBody>
+      </p:sp>
+    </p:spTree>
+    <p:extLst>
+      <p:ext uri="{BB962C8B-B14F-4D97-AF65-F5344CB8AC3E}">
         <p14:creationId xmlns:p14="http://schemas.microsoft.com/office/powerpoint/2010/main" val="917538800"/>
+      </p:ext>
+    </p:extLst>
+  </p:cSld>
+  <p:clrMapOvr>
+    <a:masterClrMapping/>
+  </p:clrMapOvr>
+</p:notes>
+</file>
+
+<file path=ppt/notesSlides/notesSlide14.xml><?xml version="1.0" encoding="utf-8"?>
+<p:notes xmlns:a="http://schemas.openxmlformats.org/drawingml/2006/main" xmlns:r="http://schemas.openxmlformats.org/officeDocument/2006/relationships" xmlns:p="http://schemas.openxmlformats.org/presentationml/2006/main">
+  <p:cSld>
+    <p:spTree>
+      <p:nvGrpSpPr>
+        <p:cNvPr id="1" name=""/>
+        <p:cNvGrpSpPr/>
+        <p:nvPr/>
+      </p:nvGrpSpPr>
+      <p:grpSpPr>
+        <a:xfrm>
+          <a:off x="0" y="0"/>
+          <a:ext cx="0" cy="0"/>
+          <a:chOff x="0" y="0"/>
+          <a:chExt cx="0" cy="0"/>
+        </a:xfrm>
+      </p:grpSpPr>
+      <p:sp>
+        <p:nvSpPr>
+          <p:cNvPr id="2" name="Slide Image Placeholder 1"/>
+          <p:cNvSpPr>
+            <a:spLocks noGrp="1" noRot="1" noChangeAspect="1"/>
+          </p:cNvSpPr>
+          <p:nvPr>
+            <p:ph type="sldImg"/>
+          </p:nvPr>
+        </p:nvSpPr>
+        <p:spPr/>
+      </p:sp>
+      <p:sp>
+        <p:nvSpPr>
+          <p:cNvPr id="3" name="Notes Placeholder 2"/>
+          <p:cNvSpPr>
+            <a:spLocks noGrp="1"/>
+          </p:cNvSpPr>
+          <p:nvPr>
+            <p:ph type="body" idx="1"/>
+          </p:nvPr>
+        </p:nvSpPr>
+        <p:spPr/>
+        <p:txBody>
+          <a:bodyPr/>
+          <a:lstStyle/>
+          <a:p>
+            <a:r>
+              <a:rPr lang="en-US" dirty="0" smtClean="0"/>
+              <a:t>Similar point as before. This time plotting </a:t>
+            </a:r>
+            <a:r>
+              <a:rPr lang="en-US" dirty="0" err="1" smtClean="0"/>
+              <a:t>vs</a:t>
+            </a:r>
+            <a:r>
+              <a:rPr lang="en-US" dirty="0" smtClean="0"/>
+              <a:t> recall constraint \beta. </a:t>
+            </a:r>
+            <a:endParaRPr lang="en-US" dirty="0"/>
+          </a:p>
+        </p:txBody>
+      </p:sp>
+      <p:sp>
+        <p:nvSpPr>
+          <p:cNvPr id="4" name="Slide Number Placeholder 3"/>
+          <p:cNvSpPr>
+            <a:spLocks noGrp="1"/>
+          </p:cNvSpPr>
+          <p:nvPr>
+            <p:ph type="sldNum" sz="quarter" idx="10"/>
+          </p:nvPr>
+        </p:nvSpPr>
+        <p:spPr/>
+        <p:txBody>
+          <a:bodyPr/>
+          <a:lstStyle/>
+          <a:p>
+            <a:fld id="{E2BE99B2-A429-474A-95A4-255327C0CDE2}" type="slidenum">
+              <a:rPr lang="en-US" smtClean="0"/>
+              <a:t>17</a:t>
+            </a:fld>
+            <a:endParaRPr lang="en-US"/>
+          </a:p>
+        </p:txBody>
+      </p:sp>
+    </p:spTree>
+    <p:extLst>
+      <p:ext uri="{BB962C8B-B14F-4D97-AF65-F5344CB8AC3E}">
+        <p14:creationId xmlns:p14="http://schemas.microsoft.com/office/powerpoint/2010/main" val="1679458400"/>
       </p:ext>
     </p:extLst>
   </p:cSld>
@@ -612,7 +1214,11 @@
           <a:p>
             <a:r>
               <a:rPr lang="en-US" dirty="0" smtClean="0"/>
-              <a:t>Similar point as before.</a:t>
+              <a:t>Informal description of problem, formalized in the</a:t>
+            </a:r>
+            <a:r>
+              <a:rPr lang="en-US" baseline="0" dirty="0" smtClean="0"/>
+              <a:t> next slide. </a:t>
             </a:r>
             <a:endParaRPr lang="en-US" dirty="0"/>
           </a:p>
@@ -635,7 +1241,7 @@
           <a:p>
             <a:fld id="{E2BE99B2-A429-474A-95A4-255327C0CDE2}" type="slidenum">
               <a:rPr lang="en-US" smtClean="0"/>
-              <a:t>15</a:t>
+              <a:t>5</a:t>
             </a:fld>
             <a:endParaRPr lang="en-US"/>
           </a:p>
@@ -644,7 +1250,1033 @@
     </p:spTree>
     <p:extLst>
       <p:ext uri="{BB962C8B-B14F-4D97-AF65-F5344CB8AC3E}">
-        <p14:creationId xmlns:p14="http://schemas.microsoft.com/office/powerpoint/2010/main" val="1679458400"/>
+        <p14:creationId xmlns:p14="http://schemas.microsoft.com/office/powerpoint/2010/main" val="63134727"/>
+      </p:ext>
+    </p:extLst>
+  </p:cSld>
+  <p:clrMapOvr>
+    <a:masterClrMapping/>
+  </p:clrMapOvr>
+</p:notes>
+</file>
+
+<file path=ppt/notesSlides/notesSlide3.xml><?xml version="1.0" encoding="utf-8"?>
+<p:notes xmlns:a="http://schemas.openxmlformats.org/drawingml/2006/main" xmlns:r="http://schemas.openxmlformats.org/officeDocument/2006/relationships" xmlns:p="http://schemas.openxmlformats.org/presentationml/2006/main">
+  <p:cSld>
+    <p:spTree>
+      <p:nvGrpSpPr>
+        <p:cNvPr id="1" name=""/>
+        <p:cNvGrpSpPr/>
+        <p:nvPr/>
+      </p:nvGrpSpPr>
+      <p:grpSpPr>
+        <a:xfrm>
+          <a:off x="0" y="0"/>
+          <a:ext cx="0" cy="0"/>
+          <a:chOff x="0" y="0"/>
+          <a:chExt cx="0" cy="0"/>
+        </a:xfrm>
+      </p:grpSpPr>
+      <p:sp>
+        <p:nvSpPr>
+          <p:cNvPr id="2" name="Slide Image Placeholder 1"/>
+          <p:cNvSpPr>
+            <a:spLocks noGrp="1" noRot="1" noChangeAspect="1"/>
+          </p:cNvSpPr>
+          <p:nvPr>
+            <p:ph type="sldImg"/>
+          </p:nvPr>
+        </p:nvSpPr>
+        <p:spPr/>
+      </p:sp>
+      <p:sp>
+        <p:nvSpPr>
+          <p:cNvPr id="3" name="Notes Placeholder 2"/>
+          <p:cNvSpPr>
+            <a:spLocks noGrp="1"/>
+          </p:cNvSpPr>
+          <p:nvPr>
+            <p:ph type="body" idx="1"/>
+          </p:nvPr>
+        </p:nvSpPr>
+        <p:spPr/>
+        <p:txBody>
+          <a:bodyPr/>
+          <a:lstStyle/>
+          <a:p>
+            <a:r>
+              <a:rPr lang="en-US" dirty="0" smtClean="0"/>
+              <a:t>Given the </a:t>
+            </a:r>
+            <a:r>
+              <a:rPr lang="en-US" dirty="0" err="1" smtClean="0"/>
+              <a:t>C_a</a:t>
+            </a:r>
+            <a:r>
+              <a:rPr lang="en-US" dirty="0" smtClean="0"/>
+              <a:t>,</a:t>
+            </a:r>
+            <a:r>
+              <a:rPr lang="en-US" baseline="0" dirty="0" smtClean="0"/>
+              <a:t> </a:t>
+            </a:r>
+            <a:r>
+              <a:rPr lang="en-US" baseline="0" dirty="0" err="1" smtClean="0"/>
+              <a:t>W_a</a:t>
+            </a:r>
+            <a:r>
+              <a:rPr lang="en-US" baseline="0" dirty="0" smtClean="0"/>
+              <a:t> values, the problem is to determine </a:t>
+            </a:r>
+            <a:r>
+              <a:rPr lang="en-US" baseline="0" dirty="0" err="1" smtClean="0"/>
+              <a:t>E_a</a:t>
+            </a:r>
+            <a:r>
+              <a:rPr lang="en-US" baseline="0" dirty="0" smtClean="0"/>
+              <a:t> and </a:t>
+            </a:r>
+            <a:r>
+              <a:rPr lang="en-US" baseline="0" dirty="0" err="1" smtClean="0"/>
+              <a:t>R_a</a:t>
+            </a:r>
+            <a:r>
+              <a:rPr lang="en-US" baseline="0" dirty="0" smtClean="0"/>
+              <a:t> (decisions on whether to evaluate/retrieve) optimally.</a:t>
+            </a:r>
+          </a:p>
+          <a:p>
+            <a:endParaRPr lang="en-US" baseline="0" dirty="0" smtClean="0"/>
+          </a:p>
+          <a:p>
+            <a:r>
+              <a:rPr lang="en-US" baseline="0" dirty="0" err="1" smtClean="0"/>
+              <a:t>E_a</a:t>
+            </a:r>
+            <a:r>
+              <a:rPr lang="en-US" baseline="0" dirty="0" smtClean="0"/>
+              <a:t> = 1 means evaluate tuples from this group</a:t>
+            </a:r>
+          </a:p>
+          <a:p>
+            <a:r>
+              <a:rPr lang="en-US" baseline="0" dirty="0" err="1" smtClean="0"/>
+              <a:t>R_a</a:t>
+            </a:r>
+            <a:r>
+              <a:rPr lang="en-US" baseline="0" dirty="0" smtClean="0"/>
+              <a:t> = 1 means retrieve tuples for this group</a:t>
+            </a:r>
+            <a:endParaRPr lang="en-US" dirty="0"/>
+          </a:p>
+        </p:txBody>
+      </p:sp>
+      <p:sp>
+        <p:nvSpPr>
+          <p:cNvPr id="4" name="Slide Number Placeholder 3"/>
+          <p:cNvSpPr>
+            <a:spLocks noGrp="1"/>
+          </p:cNvSpPr>
+          <p:nvPr>
+            <p:ph type="sldNum" sz="quarter" idx="10"/>
+          </p:nvPr>
+        </p:nvSpPr>
+        <p:spPr/>
+        <p:txBody>
+          <a:bodyPr/>
+          <a:lstStyle/>
+          <a:p>
+            <a:fld id="{E2BE99B2-A429-474A-95A4-255327C0CDE2}" type="slidenum">
+              <a:rPr lang="en-US" smtClean="0"/>
+              <a:t>6</a:t>
+            </a:fld>
+            <a:endParaRPr lang="en-US"/>
+          </a:p>
+        </p:txBody>
+      </p:sp>
+    </p:spTree>
+    <p:extLst>
+      <p:ext uri="{BB962C8B-B14F-4D97-AF65-F5344CB8AC3E}">
+        <p14:creationId xmlns:p14="http://schemas.microsoft.com/office/powerpoint/2010/main" val="673312247"/>
+      </p:ext>
+    </p:extLst>
+  </p:cSld>
+  <p:clrMapOvr>
+    <a:masterClrMapping/>
+  </p:clrMapOvr>
+</p:notes>
+</file>
+
+<file path=ppt/notesSlides/notesSlide4.xml><?xml version="1.0" encoding="utf-8"?>
+<p:notes xmlns:a="http://schemas.openxmlformats.org/drawingml/2006/main" xmlns:r="http://schemas.openxmlformats.org/officeDocument/2006/relationships" xmlns:p="http://schemas.openxmlformats.org/presentationml/2006/main">
+  <p:cSld>
+    <p:spTree>
+      <p:nvGrpSpPr>
+        <p:cNvPr id="1" name=""/>
+        <p:cNvGrpSpPr/>
+        <p:nvPr/>
+      </p:nvGrpSpPr>
+      <p:grpSpPr>
+        <a:xfrm>
+          <a:off x="0" y="0"/>
+          <a:ext cx="0" cy="0"/>
+          <a:chOff x="0" y="0"/>
+          <a:chExt cx="0" cy="0"/>
+        </a:xfrm>
+      </p:grpSpPr>
+      <p:sp>
+        <p:nvSpPr>
+          <p:cNvPr id="2" name="Slide Image Placeholder 1"/>
+          <p:cNvSpPr>
+            <a:spLocks noGrp="1" noRot="1" noChangeAspect="1"/>
+          </p:cNvSpPr>
+          <p:nvPr>
+            <p:ph type="sldImg"/>
+          </p:nvPr>
+        </p:nvSpPr>
+        <p:spPr/>
+      </p:sp>
+      <p:sp>
+        <p:nvSpPr>
+          <p:cNvPr id="3" name="Notes Placeholder 2"/>
+          <p:cNvSpPr>
+            <a:spLocks noGrp="1"/>
+          </p:cNvSpPr>
+          <p:nvPr>
+            <p:ph type="body" idx="1"/>
+          </p:nvPr>
+        </p:nvSpPr>
+        <p:spPr/>
+        <p:txBody>
+          <a:bodyPr/>
+          <a:lstStyle/>
+          <a:p>
+            <a:r>
+              <a:rPr lang="en-US" dirty="0" smtClean="0"/>
+              <a:t>Simple</a:t>
+            </a:r>
+            <a:r>
+              <a:rPr lang="en-US" baseline="0" dirty="0" smtClean="0"/>
+              <a:t> version is NP-hard, so we relax the integer program, and give it a probabilistic interpretation. </a:t>
+            </a:r>
+            <a:endParaRPr lang="en-US" dirty="0"/>
+          </a:p>
+        </p:txBody>
+      </p:sp>
+      <p:sp>
+        <p:nvSpPr>
+          <p:cNvPr id="4" name="Slide Number Placeholder 3"/>
+          <p:cNvSpPr>
+            <a:spLocks noGrp="1"/>
+          </p:cNvSpPr>
+          <p:nvPr>
+            <p:ph type="sldNum" sz="quarter" idx="10"/>
+          </p:nvPr>
+        </p:nvSpPr>
+        <p:spPr/>
+        <p:txBody>
+          <a:bodyPr/>
+          <a:lstStyle/>
+          <a:p>
+            <a:fld id="{E2BE99B2-A429-474A-95A4-255327C0CDE2}" type="slidenum">
+              <a:rPr lang="en-US" smtClean="0"/>
+              <a:t>7</a:t>
+            </a:fld>
+            <a:endParaRPr lang="en-US"/>
+          </a:p>
+        </p:txBody>
+      </p:sp>
+    </p:spTree>
+    <p:extLst>
+      <p:ext uri="{BB962C8B-B14F-4D97-AF65-F5344CB8AC3E}">
+        <p14:creationId xmlns:p14="http://schemas.microsoft.com/office/powerpoint/2010/main" val="2740136660"/>
+      </p:ext>
+    </p:extLst>
+  </p:cSld>
+  <p:clrMapOvr>
+    <a:masterClrMapping/>
+  </p:clrMapOvr>
+</p:notes>
+</file>
+
+<file path=ppt/notesSlides/notesSlide5.xml><?xml version="1.0" encoding="utf-8"?>
+<p:notes xmlns:a="http://schemas.openxmlformats.org/drawingml/2006/main" xmlns:r="http://schemas.openxmlformats.org/officeDocument/2006/relationships" xmlns:p="http://schemas.openxmlformats.org/presentationml/2006/main">
+  <p:cSld>
+    <p:spTree>
+      <p:nvGrpSpPr>
+        <p:cNvPr id="1" name=""/>
+        <p:cNvGrpSpPr/>
+        <p:nvPr/>
+      </p:nvGrpSpPr>
+      <p:grpSpPr>
+        <a:xfrm>
+          <a:off x="0" y="0"/>
+          <a:ext cx="0" cy="0"/>
+          <a:chOff x="0" y="0"/>
+          <a:chExt cx="0" cy="0"/>
+        </a:xfrm>
+      </p:grpSpPr>
+      <p:sp>
+        <p:nvSpPr>
+          <p:cNvPr id="2" name="Slide Image Placeholder 1"/>
+          <p:cNvSpPr>
+            <a:spLocks noGrp="1" noRot="1" noChangeAspect="1"/>
+          </p:cNvSpPr>
+          <p:nvPr>
+            <p:ph type="sldImg"/>
+          </p:nvPr>
+        </p:nvSpPr>
+        <p:spPr/>
+      </p:sp>
+      <p:sp>
+        <p:nvSpPr>
+          <p:cNvPr id="3" name="Notes Placeholder 2"/>
+          <p:cNvSpPr>
+            <a:spLocks noGrp="1"/>
+          </p:cNvSpPr>
+          <p:nvPr>
+            <p:ph type="body" idx="1"/>
+          </p:nvPr>
+        </p:nvSpPr>
+        <p:spPr/>
+        <p:txBody>
+          <a:bodyPr/>
+          <a:lstStyle/>
+          <a:p>
+            <a:r>
+              <a:rPr lang="en-US" dirty="0" smtClean="0"/>
+              <a:t>This is the case where we know the exact </a:t>
+            </a:r>
+            <a:r>
+              <a:rPr lang="en-US" i="1" dirty="0" smtClean="0"/>
+              <a:t>probability</a:t>
+            </a:r>
+            <a:r>
+              <a:rPr lang="en-US" dirty="0" smtClean="0"/>
+              <a:t> of a tuple satisfying</a:t>
+            </a:r>
+            <a:r>
+              <a:rPr lang="en-US" baseline="0" dirty="0" smtClean="0"/>
+              <a:t> the UDF, which we call selectivity </a:t>
+            </a:r>
+            <a:r>
+              <a:rPr lang="en-US" baseline="0" dirty="0" err="1" smtClean="0"/>
+              <a:t>s</a:t>
+            </a:r>
+            <a:r>
+              <a:rPr lang="en-US" baseline="-25000" dirty="0" err="1" smtClean="0"/>
+              <a:t>a</a:t>
+            </a:r>
+            <a:endParaRPr lang="en-US" baseline="-25000" dirty="0" smtClean="0"/>
+          </a:p>
+          <a:p>
+            <a:r>
+              <a:rPr lang="en-US" baseline="0" dirty="0" smtClean="0"/>
+              <a:t>This case has a simple solution, 1) First retrieve tuples greedily (descending order by </a:t>
+            </a:r>
+            <a:r>
+              <a:rPr lang="en-US" baseline="0" dirty="0" err="1" smtClean="0"/>
+              <a:t>s</a:t>
+            </a:r>
+            <a:r>
+              <a:rPr lang="en-US" baseline="-25000" dirty="0" err="1" smtClean="0"/>
+              <a:t>a</a:t>
+            </a:r>
+            <a:r>
+              <a:rPr lang="en-US" baseline="0" dirty="0" smtClean="0"/>
+              <a:t>) until recall constraint is satisfied with probability \rho </a:t>
+            </a:r>
+          </a:p>
+          <a:p>
+            <a:r>
+              <a:rPr lang="en-US" baseline="0" dirty="0" smtClean="0"/>
+              <a:t>2) Then evaluate retrieved tuples in reverse greedy order (lowest </a:t>
+            </a:r>
+            <a:r>
+              <a:rPr lang="en-US" baseline="0" dirty="0" err="1" smtClean="0"/>
+              <a:t>s</a:t>
+            </a:r>
+            <a:r>
+              <a:rPr lang="en-US" baseline="-25000" dirty="0" err="1" smtClean="0"/>
+              <a:t>a</a:t>
+            </a:r>
+            <a:r>
+              <a:rPr lang="en-US" baseline="0" dirty="0" smtClean="0"/>
+              <a:t> first) till precision constraint is satisfied with probability \rho.</a:t>
+            </a:r>
+            <a:endParaRPr lang="en-US" baseline="0" dirty="0"/>
+          </a:p>
+        </p:txBody>
+      </p:sp>
+      <p:sp>
+        <p:nvSpPr>
+          <p:cNvPr id="4" name="Slide Number Placeholder 3"/>
+          <p:cNvSpPr>
+            <a:spLocks noGrp="1"/>
+          </p:cNvSpPr>
+          <p:nvPr>
+            <p:ph type="sldNum" sz="quarter" idx="10"/>
+          </p:nvPr>
+        </p:nvSpPr>
+        <p:spPr/>
+        <p:txBody>
+          <a:bodyPr/>
+          <a:lstStyle/>
+          <a:p>
+            <a:fld id="{E2BE99B2-A429-474A-95A4-255327C0CDE2}" type="slidenum">
+              <a:rPr lang="en-US" smtClean="0"/>
+              <a:t>8</a:t>
+            </a:fld>
+            <a:endParaRPr lang="en-US"/>
+          </a:p>
+        </p:txBody>
+      </p:sp>
+    </p:spTree>
+    <p:extLst>
+      <p:ext uri="{BB962C8B-B14F-4D97-AF65-F5344CB8AC3E}">
+        <p14:creationId xmlns:p14="http://schemas.microsoft.com/office/powerpoint/2010/main" val="1720269514"/>
+      </p:ext>
+    </p:extLst>
+  </p:cSld>
+  <p:clrMapOvr>
+    <a:masterClrMapping/>
+  </p:clrMapOvr>
+</p:notes>
+</file>
+
+<file path=ppt/notesSlides/notesSlide6.xml><?xml version="1.0" encoding="utf-8"?>
+<p:notes xmlns:a="http://schemas.openxmlformats.org/drawingml/2006/main" xmlns:r="http://schemas.openxmlformats.org/officeDocument/2006/relationships" xmlns:p="http://schemas.openxmlformats.org/presentationml/2006/main">
+  <p:cSld>
+    <p:spTree>
+      <p:nvGrpSpPr>
+        <p:cNvPr id="1" name=""/>
+        <p:cNvGrpSpPr/>
+        <p:nvPr/>
+      </p:nvGrpSpPr>
+      <p:grpSpPr>
+        <a:xfrm>
+          <a:off x="0" y="0"/>
+          <a:ext cx="0" cy="0"/>
+          <a:chOff x="0" y="0"/>
+          <a:chExt cx="0" cy="0"/>
+        </a:xfrm>
+      </p:grpSpPr>
+      <p:sp>
+        <p:nvSpPr>
+          <p:cNvPr id="2" name="Slide Image Placeholder 1"/>
+          <p:cNvSpPr>
+            <a:spLocks noGrp="1" noRot="1" noChangeAspect="1"/>
+          </p:cNvSpPr>
+          <p:nvPr>
+            <p:ph type="sldImg"/>
+          </p:nvPr>
+        </p:nvSpPr>
+        <p:spPr/>
+      </p:sp>
+      <p:sp>
+        <p:nvSpPr>
+          <p:cNvPr id="3" name="Notes Placeholder 2"/>
+          <p:cNvSpPr>
+            <a:spLocks noGrp="1"/>
+          </p:cNvSpPr>
+          <p:nvPr>
+            <p:ph type="body" idx="1"/>
+          </p:nvPr>
+        </p:nvSpPr>
+        <p:spPr/>
+        <p:txBody>
+          <a:bodyPr/>
+          <a:lstStyle/>
+          <a:p>
+            <a:r>
+              <a:rPr lang="en-US" dirty="0" smtClean="0"/>
+              <a:t>In reality, we can’t know selectivity exactly.</a:t>
+            </a:r>
+            <a:r>
+              <a:rPr lang="en-US" baseline="0" dirty="0" smtClean="0"/>
+              <a:t> We can estimate it by sampling tuples, in which case we’ll get a mean </a:t>
+            </a:r>
+            <a:r>
+              <a:rPr lang="en-US" baseline="0" dirty="0" err="1" smtClean="0"/>
+              <a:t>s</a:t>
+            </a:r>
+            <a:r>
+              <a:rPr lang="en-US" baseline="-25000" dirty="0" err="1" smtClean="0"/>
+              <a:t>a</a:t>
+            </a:r>
+            <a:r>
+              <a:rPr lang="en-US" baseline="0" dirty="0" smtClean="0"/>
+              <a:t> and variance </a:t>
+            </a:r>
+            <a:r>
+              <a:rPr lang="en-US" baseline="0" dirty="0" err="1" smtClean="0"/>
+              <a:t>v</a:t>
+            </a:r>
+            <a:r>
+              <a:rPr lang="en-US" baseline="-25000" dirty="0" err="1" smtClean="0"/>
+              <a:t>a</a:t>
+            </a:r>
+            <a:r>
+              <a:rPr lang="en-US" baseline="0" dirty="0" err="1" smtClean="0"/>
+              <a:t>.</a:t>
+            </a:r>
+            <a:r>
+              <a:rPr lang="en-US" baseline="0" dirty="0" smtClean="0"/>
+              <a:t> Given the </a:t>
+            </a:r>
+            <a:r>
+              <a:rPr lang="en-US" baseline="0" dirty="0" err="1" smtClean="0"/>
+              <a:t>s</a:t>
+            </a:r>
+            <a:r>
+              <a:rPr lang="en-US" baseline="-25000" dirty="0" err="1" smtClean="0"/>
+              <a:t>a</a:t>
+            </a:r>
+            <a:r>
+              <a:rPr lang="en-US" baseline="0" dirty="0" smtClean="0"/>
+              <a:t> and </a:t>
+            </a:r>
+            <a:r>
+              <a:rPr lang="en-US" baseline="0" dirty="0" err="1" smtClean="0"/>
+              <a:t>v</a:t>
+            </a:r>
+            <a:r>
+              <a:rPr lang="en-US" baseline="-25000" dirty="0" err="1" smtClean="0"/>
+              <a:t>a</a:t>
+            </a:r>
+            <a:r>
+              <a:rPr lang="en-US" baseline="0" dirty="0" smtClean="0"/>
+              <a:t> values, we use convex optimization to solve the problem. </a:t>
+            </a:r>
+            <a:endParaRPr lang="en-US" dirty="0"/>
+          </a:p>
+        </p:txBody>
+      </p:sp>
+      <p:sp>
+        <p:nvSpPr>
+          <p:cNvPr id="4" name="Slide Number Placeholder 3"/>
+          <p:cNvSpPr>
+            <a:spLocks noGrp="1"/>
+          </p:cNvSpPr>
+          <p:nvPr>
+            <p:ph type="sldNum" sz="quarter" idx="10"/>
+          </p:nvPr>
+        </p:nvSpPr>
+        <p:spPr/>
+        <p:txBody>
+          <a:bodyPr/>
+          <a:lstStyle/>
+          <a:p>
+            <a:fld id="{E2BE99B2-A429-474A-95A4-255327C0CDE2}" type="slidenum">
+              <a:rPr lang="en-US" smtClean="0"/>
+              <a:t>9</a:t>
+            </a:fld>
+            <a:endParaRPr lang="en-US"/>
+          </a:p>
+        </p:txBody>
+      </p:sp>
+    </p:spTree>
+    <p:extLst>
+      <p:ext uri="{BB962C8B-B14F-4D97-AF65-F5344CB8AC3E}">
+        <p14:creationId xmlns:p14="http://schemas.microsoft.com/office/powerpoint/2010/main" val="2764010929"/>
+      </p:ext>
+    </p:extLst>
+  </p:cSld>
+  <p:clrMapOvr>
+    <a:masterClrMapping/>
+  </p:clrMapOvr>
+</p:notes>
+</file>
+
+<file path=ppt/notesSlides/notesSlide7.xml><?xml version="1.0" encoding="utf-8"?>
+<p:notes xmlns:a="http://schemas.openxmlformats.org/drawingml/2006/main" xmlns:r="http://schemas.openxmlformats.org/officeDocument/2006/relationships" xmlns:p="http://schemas.openxmlformats.org/presentationml/2006/main">
+  <p:cSld>
+    <p:spTree>
+      <p:nvGrpSpPr>
+        <p:cNvPr id="1" name=""/>
+        <p:cNvGrpSpPr/>
+        <p:nvPr/>
+      </p:nvGrpSpPr>
+      <p:grpSpPr>
+        <a:xfrm>
+          <a:off x="0" y="0"/>
+          <a:ext cx="0" cy="0"/>
+          <a:chOff x="0" y="0"/>
+          <a:chExt cx="0" cy="0"/>
+        </a:xfrm>
+      </p:grpSpPr>
+      <p:sp>
+        <p:nvSpPr>
+          <p:cNvPr id="2" name="Slide Image Placeholder 1"/>
+          <p:cNvSpPr>
+            <a:spLocks noGrp="1" noRot="1" noChangeAspect="1"/>
+          </p:cNvSpPr>
+          <p:nvPr>
+            <p:ph type="sldImg"/>
+          </p:nvPr>
+        </p:nvSpPr>
+        <p:spPr/>
+      </p:sp>
+      <p:sp>
+        <p:nvSpPr>
+          <p:cNvPr id="3" name="Notes Placeholder 2"/>
+          <p:cNvSpPr>
+            <a:spLocks noGrp="1"/>
+          </p:cNvSpPr>
+          <p:nvPr>
+            <p:ph type="body" idx="1"/>
+          </p:nvPr>
+        </p:nvSpPr>
+        <p:spPr/>
+        <p:txBody>
+          <a:bodyPr/>
+          <a:lstStyle/>
+          <a:p>
+            <a:r>
+              <a:rPr lang="en-US" dirty="0" smtClean="0"/>
+              <a:t>As mentioned in previous slide, we can get </a:t>
+            </a:r>
+            <a:r>
+              <a:rPr lang="en-US" dirty="0" err="1" smtClean="0"/>
+              <a:t>s</a:t>
+            </a:r>
+            <a:r>
+              <a:rPr lang="en-US" baseline="-25000" dirty="0" err="1" smtClean="0"/>
+              <a:t>a</a:t>
+            </a:r>
+            <a:r>
+              <a:rPr lang="en-US" dirty="0" smtClean="0"/>
+              <a:t> and </a:t>
+            </a:r>
+            <a:r>
+              <a:rPr lang="en-US" dirty="0" err="1" smtClean="0"/>
+              <a:t>v</a:t>
+            </a:r>
+            <a:r>
+              <a:rPr lang="en-US" baseline="-25000" dirty="0" err="1" smtClean="0"/>
+              <a:t>a</a:t>
+            </a:r>
+            <a:r>
+              <a:rPr lang="en-US" dirty="0" smtClean="0"/>
+              <a:t> values</a:t>
+            </a:r>
+            <a:r>
+              <a:rPr lang="en-US" baseline="0" dirty="0" smtClean="0"/>
+              <a:t> by sampling. But the sampling cost needs to be taken into account as well. We can show that the optimal amount of sampling to do must be</a:t>
+            </a:r>
+          </a:p>
+          <a:p>
+            <a:r>
+              <a:rPr lang="en-US" baseline="0" dirty="0" smtClean="0"/>
+              <a:t>of the form </a:t>
+            </a:r>
+            <a:r>
+              <a:rPr lang="en-US" baseline="0" dirty="0" err="1" smtClean="0"/>
+              <a:t>num</a:t>
+            </a:r>
+            <a:r>
+              <a:rPr lang="en-US" baseline="0" dirty="0" smtClean="0"/>
+              <a:t> x </a:t>
+            </a:r>
+            <a:r>
+              <a:rPr lang="en-US" baseline="0" dirty="0" err="1" smtClean="0"/>
+              <a:t>t_a</a:t>
+            </a:r>
+            <a:r>
+              <a:rPr lang="en-US" baseline="0" dirty="0" smtClean="0"/>
+              <a:t> x n^{-1/3} for some constant </a:t>
+            </a:r>
+            <a:r>
+              <a:rPr lang="en-US" baseline="0" dirty="0" err="1" smtClean="0"/>
+              <a:t>num</a:t>
+            </a:r>
+            <a:r>
+              <a:rPr lang="en-US" baseline="0" dirty="0" smtClean="0"/>
+              <a:t> (not depending on data size). Empirically, we find that </a:t>
+            </a:r>
+            <a:r>
+              <a:rPr lang="en-US" baseline="0" dirty="0" err="1" smtClean="0"/>
+              <a:t>num</a:t>
+            </a:r>
+            <a:r>
+              <a:rPr lang="en-US" baseline="0" dirty="0" smtClean="0"/>
+              <a:t> \in [2.5, 4.5] works well on all datasets. </a:t>
+            </a:r>
+            <a:endParaRPr lang="en-US" dirty="0"/>
+          </a:p>
+        </p:txBody>
+      </p:sp>
+      <p:sp>
+        <p:nvSpPr>
+          <p:cNvPr id="4" name="Slide Number Placeholder 3"/>
+          <p:cNvSpPr>
+            <a:spLocks noGrp="1"/>
+          </p:cNvSpPr>
+          <p:nvPr>
+            <p:ph type="sldNum" sz="quarter" idx="10"/>
+          </p:nvPr>
+        </p:nvSpPr>
+        <p:spPr/>
+        <p:txBody>
+          <a:bodyPr/>
+          <a:lstStyle/>
+          <a:p>
+            <a:fld id="{E2BE99B2-A429-474A-95A4-255327C0CDE2}" type="slidenum">
+              <a:rPr lang="en-US" smtClean="0"/>
+              <a:t>10</a:t>
+            </a:fld>
+            <a:endParaRPr lang="en-US"/>
+          </a:p>
+        </p:txBody>
+      </p:sp>
+    </p:spTree>
+    <p:extLst>
+      <p:ext uri="{BB962C8B-B14F-4D97-AF65-F5344CB8AC3E}">
+        <p14:creationId xmlns:p14="http://schemas.microsoft.com/office/powerpoint/2010/main" val="4012385901"/>
+      </p:ext>
+    </p:extLst>
+  </p:cSld>
+  <p:clrMapOvr>
+    <a:masterClrMapping/>
+  </p:clrMapOvr>
+</p:notes>
+</file>
+
+<file path=ppt/notesSlides/notesSlide8.xml><?xml version="1.0" encoding="utf-8"?>
+<p:notes xmlns:a="http://schemas.openxmlformats.org/drawingml/2006/main" xmlns:r="http://schemas.openxmlformats.org/officeDocument/2006/relationships" xmlns:p="http://schemas.openxmlformats.org/presentationml/2006/main">
+  <p:cSld>
+    <p:spTree>
+      <p:nvGrpSpPr>
+        <p:cNvPr id="1" name=""/>
+        <p:cNvGrpSpPr/>
+        <p:nvPr/>
+      </p:nvGrpSpPr>
+      <p:grpSpPr>
+        <a:xfrm>
+          <a:off x="0" y="0"/>
+          <a:ext cx="0" cy="0"/>
+          <a:chOff x="0" y="0"/>
+          <a:chExt cx="0" cy="0"/>
+        </a:xfrm>
+      </p:grpSpPr>
+      <p:sp>
+        <p:nvSpPr>
+          <p:cNvPr id="2" name="Slide Image Placeholder 1"/>
+          <p:cNvSpPr>
+            <a:spLocks noGrp="1" noRot="1" noChangeAspect="1"/>
+          </p:cNvSpPr>
+          <p:nvPr>
+            <p:ph type="sldImg"/>
+          </p:nvPr>
+        </p:nvSpPr>
+        <p:spPr/>
+      </p:sp>
+      <p:sp>
+        <p:nvSpPr>
+          <p:cNvPr id="3" name="Notes Placeholder 2"/>
+          <p:cNvSpPr>
+            <a:spLocks noGrp="1"/>
+          </p:cNvSpPr>
+          <p:nvPr>
+            <p:ph type="body" idx="1"/>
+          </p:nvPr>
+        </p:nvSpPr>
+        <p:spPr/>
+        <p:txBody>
+          <a:bodyPr/>
+          <a:lstStyle/>
+          <a:p>
+            <a:r>
+              <a:rPr lang="en-US" dirty="0" smtClean="0"/>
+              <a:t>Machine learning can</a:t>
+            </a:r>
+            <a:r>
+              <a:rPr lang="en-US" baseline="0" dirty="0" smtClean="0"/>
+              <a:t> allow us to combine correlation info from multiple columns instead of just one. </a:t>
+            </a:r>
+          </a:p>
+          <a:p>
+            <a:r>
+              <a:rPr lang="en-US" baseline="0" dirty="0" smtClean="0"/>
+              <a:t>Our algorithm is still needed after that, because ML just gives </a:t>
+            </a:r>
+            <a:r>
+              <a:rPr lang="en-US" baseline="0" dirty="0" err="1" smtClean="0"/>
+              <a:t>uncalibrated</a:t>
+            </a:r>
+            <a:r>
+              <a:rPr lang="en-US" baseline="0" dirty="0" smtClean="0"/>
+              <a:t> guesses on tuples, and we still need to figure out how to tradeoff cost vs. precision/recall. So our work is</a:t>
+            </a:r>
+          </a:p>
+          <a:p>
+            <a:r>
+              <a:rPr lang="en-US" i="1" baseline="0" dirty="0" smtClean="0"/>
+              <a:t>complementary</a:t>
+            </a:r>
+            <a:r>
+              <a:rPr lang="en-US" baseline="0" dirty="0" smtClean="0"/>
+              <a:t> to ML. </a:t>
+            </a:r>
+            <a:endParaRPr lang="en-US" dirty="0" smtClean="0"/>
+          </a:p>
+          <a:p>
+            <a:r>
+              <a:rPr lang="en-US" dirty="0" smtClean="0"/>
+              <a:t>To integrate</a:t>
+            </a:r>
+            <a:r>
+              <a:rPr lang="en-US" baseline="0" dirty="0" smtClean="0"/>
+              <a:t> a machine learning algorithm into our system, we treat its outputs as a new ’virtual column’. Then we </a:t>
+            </a:r>
+            <a:r>
+              <a:rPr lang="en-US" baseline="0" dirty="0" err="1" smtClean="0"/>
+              <a:t>bucketize</a:t>
+            </a:r>
+            <a:r>
+              <a:rPr lang="en-US" baseline="0" dirty="0" smtClean="0"/>
+              <a:t> its outputs to form equal sized buckets, and then learn the calibrated selectivity of each bucket using sampling (like we do for any other column), and follow the rest of our procedure. </a:t>
+            </a:r>
+          </a:p>
+          <a:p>
+            <a:endParaRPr lang="en-US" dirty="0"/>
+          </a:p>
+        </p:txBody>
+      </p:sp>
+      <p:sp>
+        <p:nvSpPr>
+          <p:cNvPr id="4" name="Slide Number Placeholder 3"/>
+          <p:cNvSpPr>
+            <a:spLocks noGrp="1"/>
+          </p:cNvSpPr>
+          <p:nvPr>
+            <p:ph type="sldNum" sz="quarter" idx="10"/>
+          </p:nvPr>
+        </p:nvSpPr>
+        <p:spPr/>
+        <p:txBody>
+          <a:bodyPr/>
+          <a:lstStyle/>
+          <a:p>
+            <a:fld id="{E2BE99B2-A429-474A-95A4-255327C0CDE2}" type="slidenum">
+              <a:rPr lang="en-US" smtClean="0"/>
+              <a:t>11</a:t>
+            </a:fld>
+            <a:endParaRPr lang="en-US"/>
+          </a:p>
+        </p:txBody>
+      </p:sp>
+    </p:spTree>
+    <p:extLst>
+      <p:ext uri="{BB962C8B-B14F-4D97-AF65-F5344CB8AC3E}">
+        <p14:creationId xmlns:p14="http://schemas.microsoft.com/office/powerpoint/2010/main" val="1037158785"/>
+      </p:ext>
+    </p:extLst>
+  </p:cSld>
+  <p:clrMapOvr>
+    <a:masterClrMapping/>
+  </p:clrMapOvr>
+</p:notes>
+</file>
+
+<file path=ppt/notesSlides/notesSlide9.xml><?xml version="1.0" encoding="utf-8"?>
+<p:notes xmlns:a="http://schemas.openxmlformats.org/drawingml/2006/main" xmlns:r="http://schemas.openxmlformats.org/officeDocument/2006/relationships" xmlns:p="http://schemas.openxmlformats.org/presentationml/2006/main">
+  <p:cSld>
+    <p:spTree>
+      <p:nvGrpSpPr>
+        <p:cNvPr id="1" name=""/>
+        <p:cNvGrpSpPr/>
+        <p:nvPr/>
+      </p:nvGrpSpPr>
+      <p:grpSpPr>
+        <a:xfrm>
+          <a:off x="0" y="0"/>
+          <a:ext cx="0" cy="0"/>
+          <a:chOff x="0" y="0"/>
+          <a:chExt cx="0" cy="0"/>
+        </a:xfrm>
+      </p:grpSpPr>
+      <p:sp>
+        <p:nvSpPr>
+          <p:cNvPr id="2" name="Slide Image Placeholder 1"/>
+          <p:cNvSpPr>
+            <a:spLocks noGrp="1" noRot="1" noChangeAspect="1"/>
+          </p:cNvSpPr>
+          <p:nvPr>
+            <p:ph type="sldImg"/>
+          </p:nvPr>
+        </p:nvSpPr>
+        <p:spPr/>
+      </p:sp>
+      <p:sp>
+        <p:nvSpPr>
+          <p:cNvPr id="3" name="Notes Placeholder 2"/>
+          <p:cNvSpPr>
+            <a:spLocks noGrp="1"/>
+          </p:cNvSpPr>
+          <p:nvPr>
+            <p:ph type="body" idx="1"/>
+          </p:nvPr>
+        </p:nvSpPr>
+        <p:spPr/>
+        <p:txBody>
+          <a:bodyPr/>
+          <a:lstStyle/>
+          <a:p>
+            <a:r>
+              <a:rPr lang="en-US" dirty="0" smtClean="0"/>
+              <a:t>Lending Club and Prosper are peer-to-peer lending websites. Each entry in the table is info on one loan, with columns describing details on the loan,</a:t>
+            </a:r>
+            <a:r>
+              <a:rPr lang="en-US" baseline="0" dirty="0" smtClean="0"/>
+              <a:t> lender and borrower. The ‘UDF’ column is the result of the loan,</a:t>
+            </a:r>
+          </a:p>
+          <a:p>
+            <a:r>
+              <a:rPr lang="en-US" baseline="0" dirty="0" smtClean="0"/>
+              <a:t>i.e. whether it was repaid or not. </a:t>
+            </a:r>
+          </a:p>
+          <a:p>
+            <a:r>
+              <a:rPr lang="en-US" baseline="0" dirty="0" smtClean="0"/>
+              <a:t>Census/Marketing are based on surveys. Each column describes a person. In marketing, the UDF column is about whether they responded positively to a marketing campaign (whether they purchased the service).</a:t>
+            </a:r>
+          </a:p>
+          <a:p>
+            <a:r>
+              <a:rPr lang="en-US" baseline="0" dirty="0" smtClean="0"/>
+              <a:t>In census, the UDF is whether the person’s income is &gt; 50000 or not.</a:t>
+            </a:r>
+          </a:p>
+          <a:p>
+            <a:endParaRPr lang="en-US" baseline="0" dirty="0" smtClean="0"/>
+          </a:p>
+          <a:p>
+            <a:r>
+              <a:rPr lang="en-US" baseline="0" dirty="0" err="1" smtClean="0"/>
+              <a:t>Algos</a:t>
+            </a:r>
+            <a:r>
+              <a:rPr lang="en-US" baseline="0" dirty="0" smtClean="0"/>
+              <a:t>: </a:t>
+            </a:r>
+          </a:p>
+          <a:p>
+            <a:r>
+              <a:rPr lang="en-US" baseline="0" dirty="0" smtClean="0"/>
+              <a:t>1) </a:t>
+            </a:r>
+            <a:r>
+              <a:rPr lang="en-US" baseline="0" dirty="0" err="1" smtClean="0"/>
+              <a:t>IntelSample</a:t>
+            </a:r>
+            <a:r>
+              <a:rPr lang="en-US" baseline="0" dirty="0" smtClean="0"/>
+              <a:t> is our </a:t>
+            </a:r>
+            <a:r>
+              <a:rPr lang="en-US" baseline="0" dirty="0" err="1" smtClean="0"/>
+              <a:t>algo</a:t>
+            </a:r>
+            <a:r>
+              <a:rPr lang="en-US" baseline="0" dirty="0" smtClean="0"/>
+              <a:t>, with sampling, getting </a:t>
+            </a:r>
+            <a:r>
+              <a:rPr lang="en-US" baseline="0" dirty="0" err="1" smtClean="0"/>
+              <a:t>s</a:t>
+            </a:r>
+            <a:r>
+              <a:rPr lang="en-US" baseline="-25000" dirty="0" err="1" smtClean="0"/>
+              <a:t>a</a:t>
+            </a:r>
+            <a:r>
+              <a:rPr lang="en-US" baseline="0" dirty="0" smtClean="0"/>
+              <a:t>, </a:t>
+            </a:r>
+            <a:r>
+              <a:rPr lang="en-US" baseline="0" dirty="0" err="1" smtClean="0"/>
+              <a:t>v</a:t>
+            </a:r>
+            <a:r>
+              <a:rPr lang="en-US" baseline="-25000" dirty="0" err="1" smtClean="0"/>
+              <a:t>a</a:t>
+            </a:r>
+            <a:r>
+              <a:rPr lang="en-US" baseline="0" dirty="0" smtClean="0"/>
+              <a:t> values, then solving the convex program to decide what to retrieve/evaluate.</a:t>
+            </a:r>
+          </a:p>
+          <a:p>
+            <a:r>
+              <a:rPr lang="en-US" dirty="0" smtClean="0"/>
+              <a:t>2) </a:t>
+            </a:r>
+            <a:r>
+              <a:rPr lang="en-US" dirty="0" err="1" smtClean="0"/>
+              <a:t>BiGreedy</a:t>
+            </a:r>
+            <a:r>
+              <a:rPr lang="en-US" dirty="0" smtClean="0"/>
+              <a:t> is also</a:t>
+            </a:r>
+            <a:r>
+              <a:rPr lang="en-US" baseline="0" dirty="0" smtClean="0"/>
+              <a:t> ours, but assumes perfect information (its given the exact selectivity of each group). So its like a ‘lower bound’ on </a:t>
+            </a:r>
+            <a:r>
+              <a:rPr lang="en-US" baseline="0" dirty="0" err="1" smtClean="0"/>
+              <a:t>IntelSample’s</a:t>
+            </a:r>
+            <a:r>
+              <a:rPr lang="en-US" baseline="0" dirty="0" smtClean="0"/>
+              <a:t> performance. </a:t>
+            </a:r>
+          </a:p>
+          <a:p>
+            <a:r>
+              <a:rPr lang="en-US" baseline="0" dirty="0" smtClean="0"/>
+              <a:t>3) Semi-supervised learning: there are two variants of this. In both of them, we sample some amount of data, then run semi-supervised learning, and retrieve tuples whose score is high according to the learning. The amount of data sampled initially is the evaluation cost, and that is tuned to satisfy the precision/recall constraints. (so we try multiple values of how much to sample, and use the one that just barely lets us satisfy the constraints)</a:t>
+            </a:r>
+          </a:p>
+          <a:p>
+            <a:r>
+              <a:rPr lang="en-US" baseline="0" dirty="0" smtClean="0"/>
+              <a:t>4) Naïve is: for X% recall, just randomly pick X% of the tuples, and evaluate all of them.  </a:t>
+            </a:r>
+            <a:endParaRPr lang="en-US" dirty="0"/>
+          </a:p>
+        </p:txBody>
+      </p:sp>
+      <p:sp>
+        <p:nvSpPr>
+          <p:cNvPr id="4" name="Slide Number Placeholder 3"/>
+          <p:cNvSpPr>
+            <a:spLocks noGrp="1"/>
+          </p:cNvSpPr>
+          <p:nvPr>
+            <p:ph type="sldNum" sz="quarter" idx="10"/>
+          </p:nvPr>
+        </p:nvSpPr>
+        <p:spPr/>
+        <p:txBody>
+          <a:bodyPr/>
+          <a:lstStyle/>
+          <a:p>
+            <a:fld id="{E2BE99B2-A429-474A-95A4-255327C0CDE2}" type="slidenum">
+              <a:rPr lang="en-US" smtClean="0"/>
+              <a:t>12</a:t>
+            </a:fld>
+            <a:endParaRPr lang="en-US"/>
+          </a:p>
+        </p:txBody>
+      </p:sp>
+    </p:spTree>
+    <p:extLst>
+      <p:ext uri="{BB962C8B-B14F-4D97-AF65-F5344CB8AC3E}">
+        <p14:creationId xmlns:p14="http://schemas.microsoft.com/office/powerpoint/2010/main" val="3117055252"/>
       </p:ext>
     </p:extLst>
   </p:cSld>
@@ -6951,7 +8583,7 @@
           <a:p>
             <a:r>
               <a:rPr lang="en-US" dirty="0" smtClean="0"/>
-              <a:t>Experiments</a:t>
+              <a:t>Combining with Logistic Regression</a:t>
             </a:r>
             <a:endParaRPr lang="en-US" dirty="0"/>
           </a:p>
@@ -6974,60 +8606,62 @@
           <a:p>
             <a:r>
               <a:rPr lang="en-US" dirty="0" smtClean="0"/>
-              <a:t>Datasets</a:t>
+              <a:t>We complement Machine Learning algorithms</a:t>
             </a:r>
           </a:p>
           <a:p>
             <a:pPr lvl="1"/>
             <a:r>
               <a:rPr lang="en-US" dirty="0" smtClean="0"/>
-              <a:t>Lending Club, Prosper</a:t>
+              <a:t>Ensuring calibration and probabilistic guarantees on precision/recall</a:t>
             </a:r>
           </a:p>
           <a:p>
             <a:pPr lvl="1"/>
             <a:r>
               <a:rPr lang="en-US" dirty="0" smtClean="0"/>
-              <a:t>Census, Marketing</a:t>
-            </a:r>
-          </a:p>
-          <a:p>
-            <a:r>
-              <a:rPr lang="en-US" dirty="0" smtClean="0"/>
-              <a:t>Algorithms</a:t>
-            </a:r>
-          </a:p>
-          <a:p>
-            <a:pPr lvl="1"/>
+              <a:t>Managing tradeoff between costs and constraints</a:t>
+            </a:r>
+          </a:p>
+          <a:p>
+            <a:r>
+              <a:rPr lang="en-US" dirty="0" smtClean="0"/>
+              <a:t>Sample 1% data, then learn logistic </a:t>
+            </a:r>
             <a:r>
               <a:rPr lang="en-US" dirty="0" err="1" smtClean="0"/>
-              <a:t>IntelSample</a:t>
+              <a:t>regressor</a:t>
             </a:r>
             <a:endParaRPr lang="en-US" dirty="0" smtClean="0"/>
           </a:p>
           <a:p>
-            <a:pPr lvl="1"/>
+            <a:r>
+              <a:rPr lang="en-US" dirty="0" smtClean="0"/>
+              <a:t>Create virtual column using </a:t>
+            </a:r>
             <a:r>
               <a:rPr lang="en-US" dirty="0" err="1" smtClean="0"/>
-              <a:t>BiGreedy</a:t>
-            </a:r>
-            <a:r>
-              <a:rPr lang="en-US" dirty="0" smtClean="0"/>
-              <a:t> (Optimal)</a:t>
-            </a:r>
-          </a:p>
-          <a:p>
-            <a:pPr lvl="1"/>
-            <a:r>
-              <a:rPr lang="en-US" dirty="0" smtClean="0"/>
-              <a:t>Semi-supervised Learning</a:t>
-            </a:r>
-          </a:p>
-          <a:p>
-            <a:pPr lvl="1"/>
-            <a:r>
-              <a:rPr lang="en-US" dirty="0" smtClean="0"/>
-              <a:t>Naive</a:t>
+              <a:t>regressor</a:t>
+            </a:r>
+            <a:r>
+              <a:rPr lang="en-US" dirty="0" smtClean="0"/>
+              <a:t> output </a:t>
+            </a:r>
+          </a:p>
+          <a:p>
+            <a:r>
+              <a:rPr lang="en-US" dirty="0" err="1" smtClean="0"/>
+              <a:t>Bucketize</a:t>
+            </a:r>
+            <a:r>
+              <a:rPr lang="en-US" dirty="0" smtClean="0"/>
+              <a:t> the virtual column</a:t>
+            </a:r>
+          </a:p>
+          <a:p>
+            <a:r>
+              <a:rPr lang="en-US" dirty="0" smtClean="0"/>
+              <a:t>Run the rest of our procedure</a:t>
             </a:r>
             <a:endParaRPr lang="en-US" dirty="0"/>
           </a:p>
@@ -7036,7 +8670,7 @@
     </p:spTree>
     <p:extLst>
       <p:ext uri="{BB962C8B-B14F-4D97-AF65-F5344CB8AC3E}">
-        <p14:creationId xmlns:p14="http://schemas.microsoft.com/office/powerpoint/2010/main" val="881467580"/>
+        <p14:creationId xmlns:p14="http://schemas.microsoft.com/office/powerpoint/2010/main" val="3928222263"/>
       </p:ext>
     </p:extLst>
   </p:cSld>
@@ -7080,44 +8714,92 @@
           <a:p>
             <a:r>
               <a:rPr lang="en-US" dirty="0" smtClean="0"/>
-              <a:t>Comparison to Baselines</a:t>
+              <a:t>Experiments</a:t>
             </a:r>
             <a:endParaRPr lang="en-US" dirty="0"/>
           </a:p>
         </p:txBody>
       </p:sp>
-      <p:pic>
-        <p:nvPicPr>
-          <p:cNvPr id="4" name="Content Placeholder 3" descr="performanceComparisonBasic.pdf"/>
-          <p:cNvPicPr>
-            <a:picLocks noGrp="1" noChangeAspect="1"/>
-          </p:cNvPicPr>
+      <p:sp>
+        <p:nvSpPr>
+          <p:cNvPr id="3" name="Content Placeholder 2"/>
+          <p:cNvSpPr>
+            <a:spLocks noGrp="1"/>
+          </p:cNvSpPr>
           <p:nvPr>
             <p:ph sz="quarter" idx="1"/>
           </p:nvPr>
-        </p:nvPicPr>
-        <p:blipFill rotWithShape="1">
-          <a:blip r:embed="rId2">
-            <a:extLst>
-              <a:ext uri="{28A0092B-C50C-407E-A947-70E740481C1C}">
-                <a14:useLocalDpi xmlns:a14="http://schemas.microsoft.com/office/drawing/2010/main" val="0"/>
-              </a:ext>
-            </a:extLst>
-          </a:blip>
-          <a:srcRect t="446" b="5200"/>
-          <a:stretch/>
-        </p:blipFill>
-        <p:spPr>
-          <a:xfrm>
-            <a:off x="301752" y="1524000"/>
-            <a:ext cx="8503920" cy="5042942"/>
-          </a:xfrm>
-        </p:spPr>
-      </p:pic>
+        </p:nvSpPr>
+        <p:spPr/>
+        <p:txBody>
+          <a:bodyPr/>
+          <a:lstStyle/>
+          <a:p>
+            <a:r>
+              <a:rPr lang="en-US" dirty="0" smtClean="0"/>
+              <a:t>Datasets</a:t>
+            </a:r>
+          </a:p>
+          <a:p>
+            <a:pPr lvl="1"/>
+            <a:r>
+              <a:rPr lang="en-US" dirty="0" smtClean="0"/>
+              <a:t>Lending Club, Prosper</a:t>
+            </a:r>
+          </a:p>
+          <a:p>
+            <a:pPr lvl="1"/>
+            <a:r>
+              <a:rPr lang="en-US" dirty="0" smtClean="0"/>
+              <a:t>Census, Marketing</a:t>
+            </a:r>
+          </a:p>
+          <a:p>
+            <a:r>
+              <a:rPr lang="en-US" dirty="0" smtClean="0"/>
+              <a:t>Algorithms</a:t>
+            </a:r>
+          </a:p>
+          <a:p>
+            <a:pPr lvl="1"/>
+            <a:r>
+              <a:rPr lang="en-US" dirty="0" err="1" smtClean="0"/>
+              <a:t>IntelSample</a:t>
+            </a:r>
+            <a:endParaRPr lang="en-US" dirty="0" smtClean="0"/>
+          </a:p>
+          <a:p>
+            <a:pPr lvl="1"/>
+            <a:r>
+              <a:rPr lang="en-US" dirty="0" err="1" smtClean="0"/>
+              <a:t>BiGreedy</a:t>
+            </a:r>
+            <a:r>
+              <a:rPr lang="en-US" dirty="0" smtClean="0"/>
+              <a:t> (Optimal)</a:t>
+            </a:r>
+          </a:p>
+          <a:p>
+            <a:pPr lvl="1"/>
+            <a:r>
+              <a:rPr lang="en-US" dirty="0" smtClean="0"/>
+              <a:t>Semi-supervised Learning</a:t>
+            </a:r>
+          </a:p>
+          <a:p>
+            <a:pPr lvl="1"/>
+            <a:r>
+              <a:rPr lang="en-US" dirty="0" smtClean="0"/>
+              <a:t>Naive</a:t>
+            </a:r>
+            <a:endParaRPr lang="en-US" dirty="0"/>
+          </a:p>
+        </p:txBody>
+      </p:sp>
     </p:spTree>
     <p:extLst>
       <p:ext uri="{BB962C8B-B14F-4D97-AF65-F5344CB8AC3E}">
-        <p14:creationId xmlns:p14="http://schemas.microsoft.com/office/powerpoint/2010/main" val="559387803"/>
+        <p14:creationId xmlns:p14="http://schemas.microsoft.com/office/powerpoint/2010/main" val="881467580"/>
       </p:ext>
     </p:extLst>
   </p:cSld>
@@ -7161,7 +8843,7 @@
           <a:p>
             <a:r>
               <a:rPr lang="en-US" dirty="0" smtClean="0"/>
-              <a:t>Comparison to Machine Learning</a:t>
+              <a:t>Comparison to Baselines</a:t>
             </a:r>
             <a:endParaRPr lang="en-US" dirty="0"/>
           </a:p>
@@ -7169,7 +8851,7 @@
       </p:sp>
       <p:pic>
         <p:nvPicPr>
-          <p:cNvPr id="4" name="Content Placeholder 3" descr="performanceComparisonML.pdf"/>
+          <p:cNvPr id="4" name="Content Placeholder 3" descr="performanceComparisonBasic.pdf"/>
           <p:cNvPicPr>
             <a:picLocks noGrp="1" noChangeAspect="1"/>
           </p:cNvPicPr>
@@ -7178,27 +8860,27 @@
           </p:nvPr>
         </p:nvPicPr>
         <p:blipFill rotWithShape="1">
-          <a:blip r:embed="rId2">
+          <a:blip r:embed="rId3">
             <a:extLst>
               <a:ext uri="{28A0092B-C50C-407E-A947-70E740481C1C}">
                 <a14:useLocalDpi xmlns:a14="http://schemas.microsoft.com/office/drawing/2010/main" val="0"/>
               </a:ext>
             </a:extLst>
           </a:blip>
-          <a:srcRect l="-1572" t="-7696" r="2467" b="6352"/>
+          <a:srcRect t="446" b="5200"/>
           <a:stretch/>
         </p:blipFill>
         <p:spPr>
           <a:xfrm>
-            <a:off x="186540" y="1136315"/>
-            <a:ext cx="8649612" cy="5307264"/>
+            <a:off x="301752" y="1524000"/>
+            <a:ext cx="8503920" cy="5042942"/>
           </a:xfrm>
         </p:spPr>
       </p:pic>
     </p:spTree>
     <p:extLst>
       <p:ext uri="{BB962C8B-B14F-4D97-AF65-F5344CB8AC3E}">
-        <p14:creationId xmlns:p14="http://schemas.microsoft.com/office/powerpoint/2010/main" val="3290910359"/>
+        <p14:creationId xmlns:p14="http://schemas.microsoft.com/office/powerpoint/2010/main" val="559387803"/>
       </p:ext>
     </p:extLst>
   </p:cSld>
@@ -7242,6 +8924,176 @@
           <a:p>
             <a:r>
               <a:rPr lang="en-US" dirty="0" smtClean="0"/>
+              <a:t>Comparison to Machine Learning</a:t>
+            </a:r>
+            <a:endParaRPr lang="en-US" dirty="0"/>
+          </a:p>
+        </p:txBody>
+      </p:sp>
+      <p:pic>
+        <p:nvPicPr>
+          <p:cNvPr id="4" name="Content Placeholder 3" descr="performanceComparisonML.pdf"/>
+          <p:cNvPicPr>
+            <a:picLocks noGrp="1" noChangeAspect="1"/>
+          </p:cNvPicPr>
+          <p:nvPr>
+            <p:ph sz="quarter" idx="1"/>
+          </p:nvPr>
+        </p:nvPicPr>
+        <p:blipFill rotWithShape="1">
+          <a:blip r:embed="rId3">
+            <a:extLst>
+              <a:ext uri="{28A0092B-C50C-407E-A947-70E740481C1C}">
+                <a14:useLocalDpi xmlns:a14="http://schemas.microsoft.com/office/drawing/2010/main" val="0"/>
+              </a:ext>
+            </a:extLst>
+          </a:blip>
+          <a:srcRect l="-1572" t="-7696" r="2467" b="6352"/>
+          <a:stretch/>
+        </p:blipFill>
+        <p:spPr>
+          <a:xfrm>
+            <a:off x="186540" y="1136315"/>
+            <a:ext cx="8649612" cy="5307264"/>
+          </a:xfrm>
+        </p:spPr>
+      </p:pic>
+    </p:spTree>
+    <p:extLst>
+      <p:ext uri="{BB962C8B-B14F-4D97-AF65-F5344CB8AC3E}">
+        <p14:creationId xmlns:p14="http://schemas.microsoft.com/office/powerpoint/2010/main" val="3290910359"/>
+      </p:ext>
+    </p:extLst>
+  </p:cSld>
+  <p:clrMapOvr>
+    <a:masterClrMapping/>
+  </p:clrMapOvr>
+</p:sld>
+</file>
+
+<file path=ppt/slides/slide15.xml><?xml version="1.0" encoding="utf-8"?>
+<p:sld xmlns:a="http://schemas.openxmlformats.org/drawingml/2006/main" xmlns:r="http://schemas.openxmlformats.org/officeDocument/2006/relationships" xmlns:p="http://schemas.openxmlformats.org/presentationml/2006/main">
+  <p:cSld>
+    <p:spTree>
+      <p:nvGrpSpPr>
+        <p:cNvPr id="1" name=""/>
+        <p:cNvGrpSpPr/>
+        <p:nvPr/>
+      </p:nvGrpSpPr>
+      <p:grpSpPr>
+        <a:xfrm>
+          <a:off x="0" y="0"/>
+          <a:ext cx="0" cy="0"/>
+          <a:chOff x="0" y="0"/>
+          <a:chExt cx="0" cy="0"/>
+        </a:xfrm>
+      </p:grpSpPr>
+      <p:sp>
+        <p:nvSpPr>
+          <p:cNvPr id="2" name="Title 1"/>
+          <p:cNvSpPr>
+            <a:spLocks noGrp="1"/>
+          </p:cNvSpPr>
+          <p:nvPr>
+            <p:ph type="title"/>
+          </p:nvPr>
+        </p:nvSpPr>
+        <p:spPr/>
+        <p:txBody>
+          <a:bodyPr/>
+          <a:lstStyle/>
+          <a:p>
+            <a:r>
+              <a:rPr lang="en-US" dirty="0" smtClean="0"/>
+              <a:t>Cost vs. </a:t>
+            </a:r>
+            <a:r>
+              <a:rPr lang="en-US" dirty="0" err="1" smtClean="0"/>
+              <a:t>num</a:t>
+            </a:r>
+            <a:r>
+              <a:rPr lang="en-US" dirty="0" smtClean="0"/>
+              <a:t> parameter</a:t>
+            </a:r>
+            <a:endParaRPr lang="en-US" dirty="0"/>
+          </a:p>
+        </p:txBody>
+      </p:sp>
+      <p:pic>
+        <p:nvPicPr>
+          <p:cNvPr id="4" name="Content Placeholder 3" descr="sample_eval_cost_logistic.pdf"/>
+          <p:cNvPicPr>
+            <a:picLocks noGrp="1" noChangeAspect="1"/>
+          </p:cNvPicPr>
+          <p:nvPr>
+            <p:ph sz="quarter" idx="1"/>
+          </p:nvPr>
+        </p:nvPicPr>
+        <p:blipFill rotWithShape="1">
+          <a:blip r:embed="rId3">
+            <a:extLst>
+              <a:ext uri="{28A0092B-C50C-407E-A947-70E740481C1C}">
+                <a14:useLocalDpi xmlns:a14="http://schemas.microsoft.com/office/drawing/2010/main" val="0"/>
+              </a:ext>
+            </a:extLst>
+          </a:blip>
+          <a:srcRect t="-3508" r="1681" b="-1552"/>
+          <a:stretch/>
+        </p:blipFill>
+        <p:spPr>
+          <a:xfrm>
+            <a:off x="301752" y="1296736"/>
+            <a:ext cx="8360985" cy="5360737"/>
+          </a:xfrm>
+        </p:spPr>
+      </p:pic>
+    </p:spTree>
+    <p:extLst>
+      <p:ext uri="{BB962C8B-B14F-4D97-AF65-F5344CB8AC3E}">
+        <p14:creationId xmlns:p14="http://schemas.microsoft.com/office/powerpoint/2010/main" val="1433647824"/>
+      </p:ext>
+    </p:extLst>
+  </p:cSld>
+  <p:clrMapOvr>
+    <a:masterClrMapping/>
+  </p:clrMapOvr>
+</p:sld>
+</file>
+
+<file path=ppt/slides/slide16.xml><?xml version="1.0" encoding="utf-8"?>
+<p:sld xmlns:a="http://schemas.openxmlformats.org/drawingml/2006/main" xmlns:r="http://schemas.openxmlformats.org/officeDocument/2006/relationships" xmlns:p="http://schemas.openxmlformats.org/presentationml/2006/main">
+  <p:cSld>
+    <p:spTree>
+      <p:nvGrpSpPr>
+        <p:cNvPr id="1" name=""/>
+        <p:cNvGrpSpPr/>
+        <p:nvPr/>
+      </p:nvGrpSpPr>
+      <p:grpSpPr>
+        <a:xfrm>
+          <a:off x="0" y="0"/>
+          <a:ext cx="0" cy="0"/>
+          <a:chOff x="0" y="0"/>
+          <a:chExt cx="0" cy="0"/>
+        </a:xfrm>
+      </p:grpSpPr>
+      <p:sp>
+        <p:nvSpPr>
+          <p:cNvPr id="2" name="Title 1"/>
+          <p:cNvSpPr>
+            <a:spLocks noGrp="1"/>
+          </p:cNvSpPr>
+          <p:nvPr>
+            <p:ph type="title"/>
+          </p:nvPr>
+        </p:nvSpPr>
+        <p:spPr/>
+        <p:txBody>
+          <a:bodyPr/>
+          <a:lstStyle/>
+          <a:p>
+            <a:r>
+              <a:rPr lang="en-US" dirty="0" smtClean="0"/>
               <a:t>Cost vs. Precision Constraint</a:t>
             </a:r>
             <a:endParaRPr lang="en-US" dirty="0"/>
@@ -7289,7 +9141,7 @@
 </p:sld>
 </file>
 
-<file path=ppt/slides/slide15.xml><?xml version="1.0" encoding="utf-8"?>
+<file path=ppt/slides/slide17.xml><?xml version="1.0" encoding="utf-8"?>
 <p:sld xmlns:a="http://schemas.openxmlformats.org/drawingml/2006/main" xmlns:r="http://schemas.openxmlformats.org/officeDocument/2006/relationships" xmlns:p="http://schemas.openxmlformats.org/presentationml/2006/main">
   <p:cSld>
     <p:spTree>
@@ -7433,6 +9285,28 @@
           <a:p>
             <a:r>
               <a:rPr lang="en-US" dirty="0" smtClean="0"/>
+              <a:t>Example Query with UDF</a:t>
+            </a:r>
+            <a:endParaRPr lang="en-US" dirty="0"/>
+          </a:p>
+          <a:p>
+            <a:pPr lvl="1"/>
+            <a:r>
+              <a:rPr lang="en-US" dirty="0"/>
+              <a:t>SELECT * FROM Customers WHERE </a:t>
+            </a:r>
+            <a:r>
+              <a:rPr lang="en-US" dirty="0" err="1"/>
+              <a:t>credit_score</a:t>
+            </a:r>
+            <a:r>
+              <a:rPr lang="en-US" dirty="0"/>
+              <a:t> &gt; T</a:t>
+            </a:r>
+          </a:p>
+          <a:p>
+            <a:r>
+              <a:rPr lang="en-US" dirty="0" smtClean="0"/>
               <a:t>Examples of UDFs</a:t>
             </a:r>
           </a:p>
@@ -7463,28 +9337,6 @@
               <a:rPr lang="en-US" dirty="0" smtClean="0"/>
               <a:t>Complicated Computations</a:t>
             </a:r>
-          </a:p>
-          <a:p>
-            <a:r>
-              <a:rPr lang="en-US" dirty="0" smtClean="0"/>
-              <a:t>Query</a:t>
-            </a:r>
-          </a:p>
-          <a:p>
-            <a:pPr lvl="1"/>
-            <a:r>
-              <a:rPr lang="en-US" dirty="0" smtClean="0"/>
-              <a:t>SELECT * FROM Customers WHERE </a:t>
-            </a:r>
-            <a:r>
-              <a:rPr lang="en-US" dirty="0" err="1" smtClean="0"/>
-              <a:t>credit_score</a:t>
-            </a:r>
-            <a:r>
-              <a:rPr lang="en-US" dirty="0" smtClean="0"/>
-              <a:t> &gt; T</a:t>
-            </a:r>
-            <a:endParaRPr lang="en-US" dirty="0"/>
           </a:p>
         </p:txBody>
       </p:sp>
@@ -7704,7 +9556,7 @@
             <a:pPr lvl="1"/>
             <a:r>
               <a:rPr lang="en-US" dirty="0" smtClean="0"/>
-              <a:t>Approximate answers:</a:t>
+              <a:t>What if we allow approximate answers?</a:t>
             </a:r>
           </a:p>
           <a:p>
@@ -9349,6 +11201,118 @@
               <a:t> has </a:t>
             </a:r>
             <a:r>
+              <a:rPr lang="en-US" b="1" dirty="0" err="1" smtClean="0"/>
+              <a:t>C</a:t>
+            </a:r>
+            <a:r>
+              <a:rPr lang="en-US" b="1" baseline="-25000" dirty="0" err="1" smtClean="0"/>
+              <a:t>a</a:t>
+            </a:r>
+            <a:r>
+              <a:rPr lang="en-US" dirty="0" smtClean="0"/>
+              <a:t> positive tuples, </a:t>
+            </a:r>
+            <a:r>
+              <a:rPr lang="en-US" b="1" dirty="0" err="1" smtClean="0"/>
+              <a:t>W</a:t>
+            </a:r>
+            <a:r>
+              <a:rPr lang="en-US" b="1" baseline="-25000" dirty="0" err="1" smtClean="0"/>
+              <a:t>a</a:t>
+            </a:r>
+            <a:r>
+              <a:rPr lang="en-US" dirty="0" smtClean="0"/>
+              <a:t> negative tuples</a:t>
+            </a:r>
+          </a:p>
+          <a:p>
+            <a:r>
+              <a:rPr lang="en-US" dirty="0" smtClean="0"/>
+              <a:t>For each </a:t>
+            </a:r>
+            <a:r>
+              <a:rPr lang="en-US" b="1" dirty="0" smtClean="0"/>
+              <a:t>a</a:t>
+            </a:r>
+            <a:r>
+              <a:rPr lang="en-US" dirty="0" smtClean="0"/>
+              <a:t>, choose integers </a:t>
+            </a:r>
+            <a:r>
+              <a:rPr lang="en-US" b="1" dirty="0" smtClean="0"/>
+              <a:t>R</a:t>
+            </a:r>
+            <a:r>
+              <a:rPr lang="en-US" b="1" baseline="-25000" dirty="0" smtClean="0"/>
+              <a:t>a</a:t>
+            </a:r>
+            <a:r>
+              <a:rPr lang="en-US" dirty="0" smtClean="0"/>
+              <a:t>,</a:t>
+            </a:r>
+            <a:r>
+              <a:rPr lang="en-US" baseline="-25000" dirty="0" smtClean="0"/>
+              <a:t> </a:t>
+            </a:r>
+            <a:r>
+              <a:rPr lang="en-US" b="1" dirty="0" err="1" smtClean="0"/>
+              <a:t>E</a:t>
+            </a:r>
+            <a:r>
+              <a:rPr lang="en-US" b="1" baseline="-25000" dirty="0" err="1" smtClean="0"/>
+              <a:t>a</a:t>
+            </a:r>
+            <a:r>
+              <a:rPr lang="en-US" dirty="0" smtClean="0"/>
+              <a:t> such that</a:t>
+            </a:r>
+          </a:p>
+          <a:p>
+            <a:pPr lvl="1"/>
+            <a:r>
+              <a:rPr lang="en-US" dirty="0" smtClean="0"/>
+              <a:t>0 &lt;= </a:t>
+            </a:r>
+            <a:r>
+              <a:rPr lang="en-US" dirty="0" err="1" smtClean="0"/>
+              <a:t>E</a:t>
+            </a:r>
+            <a:r>
+              <a:rPr lang="en-US" baseline="-25000" dirty="0" err="1" smtClean="0"/>
+              <a:t>a</a:t>
+            </a:r>
+            <a:r>
+              <a:rPr lang="en-US" dirty="0" smtClean="0"/>
+              <a:t> &lt;= R</a:t>
+            </a:r>
+            <a:r>
+              <a:rPr lang="en-US" baseline="-25000" dirty="0" smtClean="0"/>
+              <a:t>a</a:t>
+            </a:r>
+            <a:r>
+              <a:rPr lang="en-US" dirty="0" smtClean="0"/>
+              <a:t> &lt;= 1</a:t>
+            </a:r>
+          </a:p>
+          <a:p>
+            <a:pPr lvl="1"/>
+            <a:r>
+              <a:rPr lang="en-US" dirty="0" smtClean="0"/>
+              <a:t>Recall:  </a:t>
+            </a:r>
+            <a:r>
+              <a:rPr lang="en-US" dirty="0" err="1" smtClean="0"/>
+              <a:t>Σ</a:t>
+            </a:r>
+            <a:r>
+              <a:rPr lang="en-US" baseline="-25000" dirty="0" err="1" smtClean="0"/>
+              <a:t>a</a:t>
+            </a:r>
+            <a:r>
+              <a:rPr lang="en-US" dirty="0" smtClean="0"/>
+              <a:t> </a:t>
+            </a:r>
+            <a:r>
               <a:rPr lang="en-US" dirty="0" err="1" smtClean="0"/>
               <a:t>C</a:t>
             </a:r>
@@ -9357,8 +11321,124 @@
               <a:t>a</a:t>
             </a:r>
             <a:r>
-              <a:rPr lang="en-US" dirty="0" smtClean="0"/>
-              <a:t> positive tuples, </a:t>
+              <a:rPr lang="en-US" dirty="0" err="1" smtClean="0"/>
+              <a:t>R</a:t>
+            </a:r>
+            <a:r>
+              <a:rPr lang="en-US" baseline="-25000" dirty="0" err="1" smtClean="0"/>
+              <a:t>a</a:t>
+            </a:r>
+            <a:r>
+              <a:rPr lang="en-US" dirty="0" smtClean="0"/>
+              <a:t> &gt;= β </a:t>
+            </a:r>
+            <a:r>
+              <a:rPr lang="en-US" dirty="0" err="1" smtClean="0"/>
+              <a:t>Σ</a:t>
+            </a:r>
+            <a:r>
+              <a:rPr lang="en-US" baseline="-25000" dirty="0" err="1" smtClean="0"/>
+              <a:t>a</a:t>
+            </a:r>
+            <a:r>
+              <a:rPr lang="en-US" dirty="0" smtClean="0"/>
+              <a:t> </a:t>
+            </a:r>
+            <a:r>
+              <a:rPr lang="en-US" dirty="0" err="1" smtClean="0"/>
+              <a:t>C</a:t>
+            </a:r>
+            <a:r>
+              <a:rPr lang="en-US" baseline="-25000" dirty="0" err="1" smtClean="0"/>
+              <a:t>a</a:t>
+            </a:r>
+            <a:endParaRPr lang="en-US" baseline="-25000" dirty="0" smtClean="0"/>
+          </a:p>
+          <a:p>
+            <a:pPr lvl="1"/>
+            <a:r>
+              <a:rPr lang="en-US" dirty="0" smtClean="0"/>
+              <a:t>Precision: </a:t>
+            </a:r>
+            <a:r>
+              <a:rPr lang="en-US" dirty="0" err="1" smtClean="0"/>
+              <a:t>Σ</a:t>
+            </a:r>
+            <a:r>
+              <a:rPr lang="en-US" baseline="-25000" dirty="0" err="1" smtClean="0"/>
+              <a:t>a</a:t>
+            </a:r>
+            <a:r>
+              <a:rPr lang="en-US" dirty="0" err="1" smtClean="0"/>
+              <a:t>R</a:t>
+            </a:r>
+            <a:r>
+              <a:rPr lang="en-US" baseline="-25000" dirty="0" err="1" smtClean="0"/>
+              <a:t>a</a:t>
+            </a:r>
+            <a:r>
+              <a:rPr lang="en-US" dirty="0" err="1" smtClean="0"/>
+              <a:t>C</a:t>
+            </a:r>
+            <a:r>
+              <a:rPr lang="en-US" baseline="-25000" dirty="0" err="1" smtClean="0"/>
+              <a:t>a</a:t>
+            </a:r>
+            <a:r>
+              <a:rPr lang="en-US" dirty="0" smtClean="0"/>
+              <a:t> &gt;= α </a:t>
+            </a:r>
+            <a:r>
+              <a:rPr lang="en-US" dirty="0" err="1" smtClean="0"/>
+              <a:t>Σ</a:t>
+            </a:r>
+            <a:r>
+              <a:rPr lang="en-US" baseline="-25000" dirty="0" err="1" smtClean="0"/>
+              <a:t>a</a:t>
+            </a:r>
+            <a:r>
+              <a:rPr lang="en-US" dirty="0" smtClean="0"/>
+              <a:t> R</a:t>
+            </a:r>
+            <a:r>
+              <a:rPr lang="en-US" baseline="-25000" dirty="0" smtClean="0"/>
+              <a:t>a</a:t>
+            </a:r>
+            <a:r>
+              <a:rPr lang="en-US" dirty="0" smtClean="0"/>
+              <a:t>(</a:t>
+            </a:r>
+            <a:r>
+              <a:rPr lang="en-US" dirty="0" err="1" smtClean="0"/>
+              <a:t>C</a:t>
+            </a:r>
+            <a:r>
+              <a:rPr lang="en-US" baseline="-25000" dirty="0" err="1" smtClean="0"/>
+              <a:t>a</a:t>
+            </a:r>
+            <a:r>
+              <a:rPr lang="en-US" dirty="0" err="1" smtClean="0"/>
+              <a:t>+W</a:t>
+            </a:r>
+            <a:r>
+              <a:rPr lang="en-US" baseline="-25000" dirty="0" err="1" smtClean="0"/>
+              <a:t>a</a:t>
+            </a:r>
+            <a:r>
+              <a:rPr lang="en-US" dirty="0" smtClean="0"/>
+              <a:t>) – </a:t>
+            </a:r>
+            <a:r>
+              <a:rPr lang="en-US" dirty="0" err="1" smtClean="0"/>
+              <a:t>E</a:t>
+            </a:r>
+            <a:r>
+              <a:rPr lang="en-US" baseline="-25000" dirty="0" err="1" smtClean="0"/>
+              <a:t>a</a:t>
+            </a:r>
+            <a:r>
+              <a:rPr lang="en-US" dirty="0" smtClean="0"/>
+              <a:t>(</a:t>
             </a:r>
             <a:r>
               <a:rPr lang="en-US" dirty="0" err="1" smtClean="0"/>
@@ -9370,35 +11450,83 @@
             </a:r>
             <a:r>
               <a:rPr lang="en-US" dirty="0" smtClean="0"/>
-              <a:t> negative tuples</a:t>
-            </a:r>
-          </a:p>
-          <a:p>
-            <a:r>
-              <a:rPr lang="en-US" dirty="0" smtClean="0"/>
-              <a:t>For each </a:t>
-            </a:r>
-            <a:r>
-              <a:rPr lang="en-US" b="1" dirty="0" smtClean="0"/>
+              <a:t>)</a:t>
+            </a:r>
+          </a:p>
+          <a:p>
+            <a:r>
+              <a:rPr lang="en-US" dirty="0" smtClean="0"/>
+              <a:t>Minimize: </a:t>
+            </a:r>
+            <a:r>
+              <a:rPr lang="en-US" dirty="0" err="1" smtClean="0"/>
+              <a:t>Σ</a:t>
+            </a:r>
+            <a:r>
+              <a:rPr lang="en-US" baseline="-25000" dirty="0" err="1" smtClean="0"/>
               <a:t>a</a:t>
             </a:r>
             <a:r>
               <a:rPr lang="en-US" dirty="0" smtClean="0"/>
-              <a:t>, choose integers R</a:t>
-            </a:r>
-            <a:r>
-              <a:rPr lang="en-US" baseline="-25000" dirty="0" smtClean="0"/>
+              <a:t> </a:t>
+            </a:r>
+            <a:r>
+              <a:rPr lang="en-US" dirty="0" err="1" smtClean="0"/>
+              <a:t>o</a:t>
+            </a:r>
+            <a:r>
+              <a:rPr lang="en-US" baseline="-25000" dirty="0" err="1" smtClean="0"/>
+              <a:t>r</a:t>
+            </a:r>
+            <a:r>
+              <a:rPr lang="en-US" dirty="0" err="1" smtClean="0"/>
+              <a:t>R</a:t>
+            </a:r>
+            <a:r>
+              <a:rPr lang="en-US" baseline="-25000" dirty="0" err="1" smtClean="0"/>
               <a:t>a</a:t>
             </a:r>
             <a:r>
               <a:rPr lang="en-US" dirty="0" smtClean="0"/>
-              <a:t>,</a:t>
+              <a:t>(</a:t>
+            </a:r>
+            <a:r>
+              <a:rPr lang="en-US" dirty="0" err="1" smtClean="0"/>
+              <a:t>C</a:t>
+            </a:r>
+            <a:r>
+              <a:rPr lang="en-US" baseline="-25000" dirty="0" err="1" smtClean="0"/>
+              <a:t>a</a:t>
             </a:r>
             <a:r>
               <a:rPr lang="en-US" baseline="-25000" dirty="0" smtClean="0"/>
               <a:t> </a:t>
             </a:r>
             <a:r>
+              <a:rPr lang="en-US" dirty="0" smtClean="0"/>
+              <a:t>+ </a:t>
+            </a:r>
+            <a:r>
+              <a:rPr lang="en-US" dirty="0" err="1" smtClean="0"/>
+              <a:t>W</a:t>
+            </a:r>
+            <a:r>
+              <a:rPr lang="en-US" baseline="-25000" dirty="0" err="1" smtClean="0"/>
+              <a:t>a</a:t>
+            </a:r>
+            <a:r>
+              <a:rPr lang="en-US" dirty="0" smtClean="0"/>
+              <a:t>) + </a:t>
+            </a:r>
+            <a:r>
+              <a:rPr lang="en-US" dirty="0" err="1" smtClean="0"/>
+              <a:t>o</a:t>
+            </a:r>
+            <a:r>
+              <a:rPr lang="en-US" baseline="-25000" dirty="0" err="1" smtClean="0"/>
+              <a:t>e</a:t>
+            </a:r>
+            <a:r>
               <a:rPr lang="en-US" dirty="0" err="1" smtClean="0"/>
               <a:t>E</a:t>
             </a:r>
@@ -9408,45 +11536,27 @@
             </a:r>
             <a:r>
               <a:rPr lang="en-US" dirty="0" smtClean="0"/>
-              <a:t> such that</a:t>
-            </a:r>
-          </a:p>
-          <a:p>
-            <a:pPr lvl="1"/>
-            <a:r>
-              <a:rPr lang="en-US" dirty="0" smtClean="0"/>
-              <a:t>0 &lt;= </a:t>
+              <a:t>(</a:t>
             </a:r>
             <a:r>
               <a:rPr lang="en-US" dirty="0" err="1" smtClean="0"/>
-              <a:t>E</a:t>
+              <a:t>C</a:t>
             </a:r>
             <a:r>
               <a:rPr lang="en-US" baseline="-25000" dirty="0" err="1" smtClean="0"/>
               <a:t>a</a:t>
             </a:r>
             <a:r>
-              <a:rPr lang="en-US" dirty="0" smtClean="0"/>
-              <a:t> &lt;= R</a:t>
-            </a:r>
-            <a:r>
               <a:rPr lang="en-US" baseline="-25000" dirty="0" smtClean="0"/>
-              <a:t>a</a:t>
-            </a:r>
-            <a:r>
-              <a:rPr lang="en-US" dirty="0" smtClean="0"/>
-              <a:t> &lt;= 1</a:t>
-            </a:r>
-          </a:p>
-          <a:p>
-            <a:pPr lvl="1"/>
-            <a:r>
-              <a:rPr lang="en-US" dirty="0" smtClean="0"/>
-              <a:t>Recall:  </a:t>
+              <a:t> </a:t>
+            </a:r>
+            <a:r>
+              <a:rPr lang="en-US" dirty="0" smtClean="0"/>
+              <a:t>+ </a:t>
             </a:r>
             <a:r>
               <a:rPr lang="en-US" dirty="0" err="1" smtClean="0"/>
-              <a:t>Σ</a:t>
+              <a:t>W</a:t>
             </a:r>
             <a:r>
               <a:rPr lang="en-US" baseline="-25000" dirty="0" err="1" smtClean="0"/>
@@ -9454,262 +11564,8 @@
             </a:r>
             <a:r>
               <a:rPr lang="en-US" dirty="0" smtClean="0"/>
-              <a:t> </a:t>
-            </a:r>
-            <a:r>
-              <a:rPr lang="en-US" dirty="0" err="1" smtClean="0"/>
-              <a:t>C</a:t>
-            </a:r>
-            <a:r>
-              <a:rPr lang="en-US" baseline="-25000" dirty="0" err="1" smtClean="0"/>
-              <a:t>a</a:t>
-            </a:r>
-            <a:r>
-              <a:rPr lang="en-US" dirty="0" err="1" smtClean="0"/>
-              <a:t>R</a:t>
-            </a:r>
-            <a:r>
-              <a:rPr lang="en-US" baseline="-25000" dirty="0" err="1" smtClean="0"/>
-              <a:t>a</a:t>
-            </a:r>
-            <a:r>
-              <a:rPr lang="en-US" dirty="0" smtClean="0"/>
-              <a:t> &gt;= β </a:t>
-            </a:r>
-            <a:r>
-              <a:rPr lang="en-US" dirty="0" err="1" smtClean="0"/>
-              <a:t>Σ</a:t>
-            </a:r>
-            <a:r>
-              <a:rPr lang="en-US" baseline="-25000" dirty="0" err="1" smtClean="0"/>
-              <a:t>a</a:t>
-            </a:r>
-            <a:r>
-              <a:rPr lang="en-US" dirty="0" smtClean="0"/>
-              <a:t> </a:t>
-            </a:r>
-            <a:r>
-              <a:rPr lang="en-US" dirty="0" err="1" smtClean="0"/>
-              <a:t>C</a:t>
-            </a:r>
-            <a:r>
-              <a:rPr lang="en-US" baseline="-25000" dirty="0" err="1" smtClean="0"/>
-              <a:t>a</a:t>
-            </a:r>
-            <a:endParaRPr lang="en-US" baseline="-25000" dirty="0" smtClean="0"/>
-          </a:p>
-          <a:p>
-            <a:pPr lvl="1"/>
-            <a:r>
-              <a:rPr lang="en-US" dirty="0" smtClean="0"/>
-              <a:t>Precision: </a:t>
-            </a:r>
-            <a:r>
-              <a:rPr lang="en-US" dirty="0" err="1" smtClean="0"/>
-              <a:t>Σ</a:t>
-            </a:r>
-            <a:r>
-              <a:rPr lang="en-US" baseline="-25000" dirty="0" err="1" smtClean="0"/>
-              <a:t>a</a:t>
-            </a:r>
-            <a:r>
-              <a:rPr lang="en-US" dirty="0" err="1" smtClean="0"/>
-              <a:t>R</a:t>
-            </a:r>
-            <a:r>
-              <a:rPr lang="en-US" baseline="-25000" dirty="0" err="1" smtClean="0"/>
-              <a:t>a</a:t>
-            </a:r>
-            <a:r>
-              <a:rPr lang="en-US" dirty="0" err="1" smtClean="0"/>
-              <a:t>C</a:t>
-            </a:r>
-            <a:r>
-              <a:rPr lang="en-US" baseline="-25000" dirty="0" err="1" smtClean="0"/>
-              <a:t>a</a:t>
-            </a:r>
-            <a:r>
-              <a:rPr lang="en-US" dirty="0" smtClean="0"/>
-              <a:t> &gt;= α </a:t>
-            </a:r>
-            <a:r>
-              <a:rPr lang="en-US" dirty="0" err="1" smtClean="0"/>
-              <a:t>Σ</a:t>
-            </a:r>
-            <a:r>
-              <a:rPr lang="en-US" baseline="-25000" dirty="0" err="1" smtClean="0"/>
-              <a:t>a</a:t>
-            </a:r>
-            <a:r>
-              <a:rPr lang="en-US" dirty="0" smtClean="0"/>
-              <a:t> R</a:t>
-            </a:r>
-            <a:r>
-              <a:rPr lang="en-US" baseline="-25000" dirty="0" smtClean="0"/>
-              <a:t>a</a:t>
-            </a:r>
-            <a:r>
-              <a:rPr lang="en-US" dirty="0" smtClean="0"/>
-              <a:t>(</a:t>
-            </a:r>
-            <a:r>
-              <a:rPr lang="en-US" dirty="0" err="1" smtClean="0"/>
-              <a:t>C</a:t>
-            </a:r>
-            <a:r>
-              <a:rPr lang="en-US" baseline="-25000" dirty="0" err="1" smtClean="0"/>
-              <a:t>a</a:t>
-            </a:r>
-            <a:r>
-              <a:rPr lang="en-US" dirty="0" err="1" smtClean="0"/>
-              <a:t>+W</a:t>
-            </a:r>
-            <a:r>
-              <a:rPr lang="en-US" baseline="-25000" dirty="0" err="1" smtClean="0"/>
-              <a:t>a</a:t>
-            </a:r>
-            <a:r>
-              <a:rPr lang="en-US" dirty="0" smtClean="0"/>
-              <a:t>) – </a:t>
-            </a:r>
-            <a:r>
-              <a:rPr lang="en-US" dirty="0" err="1" smtClean="0"/>
-              <a:t>E</a:t>
-            </a:r>
-            <a:r>
-              <a:rPr lang="en-US" baseline="-25000" dirty="0" err="1" smtClean="0"/>
-              <a:t>a</a:t>
-            </a:r>
-            <a:r>
-              <a:rPr lang="en-US" dirty="0" smtClean="0"/>
-              <a:t>(</a:t>
-            </a:r>
-            <a:r>
-              <a:rPr lang="en-US" dirty="0" err="1" smtClean="0"/>
-              <a:t>W</a:t>
-            </a:r>
-            <a:r>
-              <a:rPr lang="en-US" baseline="-25000" dirty="0" err="1" smtClean="0"/>
-              <a:t>a</a:t>
-            </a:r>
-            <a:r>
-              <a:rPr lang="en-US" dirty="0" smtClean="0"/>
               <a:t>)</a:t>
             </a:r>
-          </a:p>
-          <a:p>
-            <a:r>
-              <a:rPr lang="en-US" dirty="0" smtClean="0"/>
-              <a:t>Minimize: </a:t>
-            </a:r>
-            <a:r>
-              <a:rPr lang="en-US" dirty="0" err="1" smtClean="0"/>
-              <a:t>Σ</a:t>
-            </a:r>
-            <a:r>
-              <a:rPr lang="en-US" baseline="-25000" dirty="0" err="1" smtClean="0"/>
-              <a:t>a</a:t>
-            </a:r>
-            <a:r>
-              <a:rPr lang="en-US" dirty="0" smtClean="0"/>
-              <a:t> </a:t>
-            </a:r>
-            <a:r>
-              <a:rPr lang="en-US" dirty="0" err="1" smtClean="0"/>
-              <a:t>c</a:t>
-            </a:r>
-            <a:r>
-              <a:rPr lang="en-US" baseline="-25000" dirty="0" err="1" smtClean="0"/>
-              <a:t>r</a:t>
-            </a:r>
-            <a:r>
-              <a:rPr lang="en-US" dirty="0" err="1" smtClean="0"/>
-              <a:t>R</a:t>
-            </a:r>
-            <a:r>
-              <a:rPr lang="en-US" baseline="-25000" dirty="0" err="1" smtClean="0"/>
-              <a:t>a</a:t>
-            </a:r>
-            <a:r>
-              <a:rPr lang="en-US" dirty="0" smtClean="0"/>
-              <a:t>(</a:t>
-            </a:r>
-            <a:r>
-              <a:rPr lang="en-US" dirty="0" err="1" smtClean="0"/>
-              <a:t>C</a:t>
-            </a:r>
-            <a:r>
-              <a:rPr lang="en-US" baseline="-25000" dirty="0" err="1" smtClean="0"/>
-              <a:t>a</a:t>
-            </a:r>
-            <a:r>
-              <a:rPr lang="en-US" baseline="-25000" dirty="0" smtClean="0"/>
-              <a:t> </a:t>
-            </a:r>
-            <a:r>
-              <a:rPr lang="en-US" dirty="0" smtClean="0"/>
-              <a:t>+ </a:t>
-            </a:r>
-            <a:r>
-              <a:rPr lang="en-US" dirty="0" err="1" smtClean="0"/>
-              <a:t>W</a:t>
-            </a:r>
-            <a:r>
-              <a:rPr lang="en-US" baseline="-25000" dirty="0" err="1" smtClean="0"/>
-              <a:t>a</a:t>
-            </a:r>
-            <a:r>
-              <a:rPr lang="en-US" dirty="0" smtClean="0"/>
-              <a:t>) + </a:t>
-            </a:r>
-            <a:r>
-              <a:rPr lang="en-US" dirty="0" err="1" smtClean="0"/>
-              <a:t>c</a:t>
-            </a:r>
-            <a:r>
-              <a:rPr lang="en-US" baseline="-25000" dirty="0" err="1" smtClean="0"/>
-              <a:t>e</a:t>
-            </a:r>
-            <a:r>
-              <a:rPr lang="en-US" dirty="0" err="1" smtClean="0"/>
-              <a:t>E</a:t>
-            </a:r>
-            <a:r>
-              <a:rPr lang="en-US" baseline="-25000" dirty="0" err="1" smtClean="0"/>
-              <a:t>a</a:t>
-            </a:r>
-            <a:r>
-              <a:rPr lang="en-US" dirty="0" smtClean="0"/>
-              <a:t>(</a:t>
-            </a:r>
-            <a:r>
-              <a:rPr lang="en-US" dirty="0" err="1" smtClean="0"/>
-              <a:t>C</a:t>
-            </a:r>
-            <a:r>
-              <a:rPr lang="en-US" baseline="-25000" dirty="0" err="1" smtClean="0"/>
-              <a:t>a</a:t>
-            </a:r>
-            <a:r>
-              <a:rPr lang="en-US" baseline="-25000" dirty="0" smtClean="0"/>
-              <a:t> </a:t>
-            </a:r>
-            <a:r>
-              <a:rPr lang="en-US" dirty="0" smtClean="0"/>
-              <a:t>+ </a:t>
-            </a:r>
-            <a:r>
-              <a:rPr lang="en-US" dirty="0" err="1" smtClean="0"/>
-              <a:t>W</a:t>
-            </a:r>
-            <a:r>
-              <a:rPr lang="en-US" baseline="-25000" dirty="0" err="1" smtClean="0"/>
-              <a:t>a</a:t>
-            </a:r>
-            <a:r>
-              <a:rPr lang="en-US" dirty="0" smtClean="0"/>
-              <a:t>)</a:t>
-            </a:r>
             <a:endParaRPr lang="en-US" dirty="0"/>
           </a:p>
           <a:p>
@@ -9719,7 +11575,15 @@
             </a:r>
             <a:r>
               <a:rPr lang="en-US" dirty="0"/>
-              <a:t>-Hard – Reducible from Knapsack</a:t>
+              <a:t>-</a:t>
+            </a:r>
+            <a:r>
+              <a:rPr lang="en-US" dirty="0" smtClean="0"/>
+              <a:t>Hard! </a:t>
+            </a:r>
+            <a:r>
+              <a:rPr lang="en-US" dirty="0"/>
+              <a:t>– Reducible from Knapsack</a:t>
             </a:r>
           </a:p>
           <a:p>
@@ -9797,10 +11661,14 @@
           <a:p>
             <a:r>
               <a:rPr lang="en-US" dirty="0" smtClean="0"/>
-              <a:t>Allow non-integer R</a:t>
-            </a:r>
-            <a:r>
-              <a:rPr lang="en-US" baseline="-25000" dirty="0" smtClean="0"/>
+              <a:t>Allow non-integer </a:t>
+            </a:r>
+            <a:r>
+              <a:rPr lang="en-US" b="1" dirty="0" smtClean="0"/>
+              <a:t>R</a:t>
+            </a:r>
+            <a:r>
+              <a:rPr lang="en-US" b="1" baseline="-25000" dirty="0" smtClean="0"/>
               <a:t>a</a:t>
             </a:r>
             <a:r>
@@ -9808,37 +11676,55 @@
               <a:t>, </a:t>
             </a:r>
             <a:r>
-              <a:rPr lang="en-US" dirty="0" err="1" smtClean="0"/>
+              <a:rPr lang="en-US" b="1" dirty="0" err="1" smtClean="0"/>
               <a:t>E</a:t>
             </a:r>
             <a:r>
-              <a:rPr lang="en-US" baseline="-25000" dirty="0" err="1" smtClean="0"/>
+              <a:rPr lang="en-US" b="1" baseline="-25000" dirty="0" err="1" smtClean="0"/>
               <a:t>a</a:t>
             </a:r>
-            <a:endParaRPr lang="en-US" baseline="-25000" dirty="0" smtClean="0"/>
-          </a:p>
-          <a:p>
-            <a:r>
-              <a:rPr lang="en-US" dirty="0" smtClean="0"/>
-              <a:t>Retrieve with probability R</a:t>
-            </a:r>
-            <a:r>
-              <a:rPr lang="en-US" baseline="-25000" dirty="0" smtClean="0"/>
+            <a:endParaRPr lang="en-US" b="1" baseline="-25000" dirty="0" smtClean="0"/>
+          </a:p>
+          <a:p>
+            <a:r>
+              <a:rPr lang="en-US" dirty="0" smtClean="0"/>
+              <a:t>Each tuple is retrieved with probability </a:t>
+            </a:r>
+            <a:r>
+              <a:rPr lang="en-US" b="1" dirty="0" smtClean="0"/>
+              <a:t>R</a:t>
+            </a:r>
+            <a:r>
+              <a:rPr lang="en-US" b="1" baseline="-25000" dirty="0" smtClean="0"/>
               <a:t>a</a:t>
             </a:r>
             <a:r>
               <a:rPr lang="en-US" dirty="0" smtClean="0"/>
-              <a:t>, evaluate with probability </a:t>
-            </a:r>
-            <a:r>
-              <a:rPr lang="en-US" dirty="0" err="1" smtClean="0"/>
+              <a:t> </a:t>
+            </a:r>
+          </a:p>
+          <a:p>
+            <a:r>
+              <a:rPr lang="en-US" dirty="0" smtClean="0"/>
+              <a:t>Each retrieved tuple evaluated with probability      </a:t>
+            </a:r>
+            <a:r>
+              <a:rPr lang="en-US" b="1" dirty="0" err="1" smtClean="0"/>
               <a:t>E</a:t>
             </a:r>
             <a:r>
-              <a:rPr lang="en-US" baseline="-25000" dirty="0" err="1" smtClean="0"/>
+              <a:rPr lang="en-US" b="1" baseline="-25000" dirty="0" err="1" smtClean="0"/>
               <a:t>a</a:t>
             </a:r>
-            <a:endParaRPr lang="en-US" dirty="0"/>
+            <a:r>
+              <a:rPr lang="en-US" b="1" dirty="0" smtClean="0"/>
+              <a:t>/R</a:t>
+            </a:r>
+            <a:r>
+              <a:rPr lang="en-US" b="1" baseline="-25000" dirty="0" smtClean="0"/>
+              <a:t>a</a:t>
+            </a:r>
+            <a:endParaRPr lang="en-US" b="1" dirty="0"/>
           </a:p>
           <a:p>
             <a:r>
@@ -9846,10 +11732,10 @@
               <a:t>Satisfy constraints with probability </a:t>
             </a:r>
             <a:r>
-              <a:rPr lang="en-US" dirty="0" err="1" smtClean="0"/>
+              <a:rPr lang="en-US" b="1" dirty="0" err="1" smtClean="0"/>
               <a:t>ρ</a:t>
             </a:r>
-            <a:endParaRPr lang="en-US" baseline="-25000" dirty="0" smtClean="0"/>
+            <a:endParaRPr lang="en-US" b="1" baseline="-25000" dirty="0" smtClean="0"/>
           </a:p>
           <a:p>
             <a:r>
@@ -9933,11 +11819,11 @@
               <a:t>For each group, we have a known selectivity </a:t>
             </a:r>
             <a:r>
-              <a:rPr lang="en-US" dirty="0" err="1"/>
+              <a:rPr lang="en-US" b="1" dirty="0" err="1"/>
               <a:t>s</a:t>
             </a:r>
             <a:r>
-              <a:rPr lang="en-US" baseline="-25000" dirty="0" err="1"/>
+              <a:rPr lang="en-US" b="1" baseline="-25000" dirty="0" err="1"/>
               <a:t>a</a:t>
             </a:r>
             <a:r>
@@ -9962,14 +11848,14 @@
               <a:t>Sort groups by </a:t>
             </a:r>
             <a:r>
-              <a:rPr lang="en-US" dirty="0" err="1" smtClean="0"/>
+              <a:rPr lang="en-US" b="1" dirty="0" err="1" smtClean="0"/>
               <a:t>s</a:t>
             </a:r>
             <a:r>
-              <a:rPr lang="en-US" baseline="-25000" dirty="0" err="1" smtClean="0"/>
+              <a:rPr lang="en-US" b="1" baseline="-25000" dirty="0" err="1" smtClean="0"/>
               <a:t>a</a:t>
             </a:r>
-            <a:endParaRPr lang="en-US" baseline="-25000" dirty="0" smtClean="0"/>
+            <a:endParaRPr lang="en-US" b="1" baseline="-25000" dirty="0" smtClean="0"/>
           </a:p>
           <a:p>
             <a:pPr lvl="1"/>
@@ -10081,11 +11967,11 @@
               <a:t>Selectivity of group a is randomly chosen with expectation </a:t>
             </a:r>
             <a:r>
-              <a:rPr lang="en-US" dirty="0" err="1" smtClean="0"/>
+              <a:rPr lang="en-US" b="1" dirty="0" err="1" smtClean="0"/>
               <a:t>s</a:t>
             </a:r>
             <a:r>
-              <a:rPr lang="en-US" baseline="-25000" dirty="0" err="1" smtClean="0"/>
+              <a:rPr lang="en-US" b="1" baseline="-25000" dirty="0" err="1" smtClean="0"/>
               <a:t>a</a:t>
             </a:r>
             <a:r>
@@ -10093,11 +11979,11 @@
               <a:t>, variance </a:t>
             </a:r>
             <a:r>
-              <a:rPr lang="en-US" dirty="0" err="1" smtClean="0"/>
+              <a:rPr lang="en-US" b="1" dirty="0" err="1" smtClean="0"/>
               <a:t>v</a:t>
             </a:r>
             <a:r>
-              <a:rPr lang="en-US" baseline="-25000" dirty="0" err="1" smtClean="0"/>
+              <a:rPr lang="en-US" b="1" baseline="-25000" dirty="0" err="1" smtClean="0"/>
               <a:t>a</a:t>
             </a:r>
             <a:r>
